--- a/courses/apcsp/lect14c.pptx
+++ b/courses/apcsp/lect14c.pptx
@@ -5,7 +5,7 @@
     <p:sldMasterId id="2147483791" r:id="rId1"/>
   </p:sldMasterIdLst>
   <p:notesMasterIdLst>
-    <p:notesMasterId r:id="rId13"/>
+    <p:notesMasterId r:id="rId17"/>
   </p:notesMasterIdLst>
   <p:sldIdLst>
     <p:sldId id="349" r:id="rId2"/>
@@ -17,8 +17,12 @@
     <p:sldId id="638" r:id="rId8"/>
     <p:sldId id="636" r:id="rId9"/>
     <p:sldId id="637" r:id="rId10"/>
-    <p:sldId id="642" r:id="rId11"/>
-    <p:sldId id="643" r:id="rId12"/>
+    <p:sldId id="643" r:id="rId11"/>
+    <p:sldId id="644" r:id="rId12"/>
+    <p:sldId id="645" r:id="rId13"/>
+    <p:sldId id="646" r:id="rId14"/>
+    <p:sldId id="647" r:id="rId15"/>
+    <p:sldId id="642" r:id="rId16"/>
   </p:sldIdLst>
   <p:sldSz cx="9144000" cy="5715000" type="screen16x10"/>
   <p:notesSz cx="6858000" cy="9144000"/>
@@ -128,8 +132,7 @@
 <file path=ppt/revisionInfo.xml><?xml version="1.0" encoding="utf-8"?>
 <p1510:revInfo xmlns:a="http://schemas.openxmlformats.org/drawingml/2006/main" xmlns:r="http://schemas.openxmlformats.org/officeDocument/2006/relationships" xmlns:p1510="http://schemas.microsoft.com/office/powerpoint/2015/10/main">
   <p1510:revLst>
-    <p1510:client id="{34548085-73B9-DD45-AD31-2F40B14F23B0}" v="284" dt="2021-06-14T17:04:38.543"/>
-    <p1510:client id="{B1BC82AE-0B84-6345-94DD-50FF764891EB}" v="588" dt="2021-06-14T12:47:14.326"/>
+    <p1510:client id="{34548085-73B9-DD45-AD31-2F40B14F23B0}" v="300" dt="2021-06-16T16:11:42.189"/>
   </p1510:revLst>
 </p1510:revInfo>
 </file>
@@ -635,7 +638,7 @@
   <pc:docChgLst>
     <pc:chgData name="Long B Nguyen" userId="f59fb8f3-a021-417a-8bc1-65c8d471c621" providerId="ADAL" clId="{34548085-73B9-DD45-AD31-2F40B14F23B0}"/>
     <pc:docChg chg="undo custSel addSld delSld modSld">
-      <pc:chgData name="Long B Nguyen" userId="f59fb8f3-a021-417a-8bc1-65c8d471c621" providerId="ADAL" clId="{34548085-73B9-DD45-AD31-2F40B14F23B0}" dt="2021-06-14T17:21:03.477" v="3561" actId="20577"/>
+      <pc:chgData name="Long B Nguyen" userId="f59fb8f3-a021-417a-8bc1-65c8d471c621" providerId="ADAL" clId="{34548085-73B9-DD45-AD31-2F40B14F23B0}" dt="2021-06-16T16:11:42.160" v="4703"/>
       <pc:docMkLst>
         <pc:docMk/>
       </pc:docMkLst>
@@ -1340,8 +1343,8 @@
           <pc:sldMk cId="4176363307" sldId="641"/>
         </pc:sldMkLst>
       </pc:sldChg>
-      <pc:sldChg chg="modSp add mod">
-        <pc:chgData name="Long B Nguyen" userId="f59fb8f3-a021-417a-8bc1-65c8d471c621" providerId="ADAL" clId="{34548085-73B9-DD45-AD31-2F40B14F23B0}" dt="2021-06-14T16:53:27.445" v="3480" actId="20577"/>
+      <pc:sldChg chg="modSp add del mod">
+        <pc:chgData name="Long B Nguyen" userId="f59fb8f3-a021-417a-8bc1-65c8d471c621" providerId="ADAL" clId="{34548085-73B9-DD45-AD31-2F40B14F23B0}" dt="2021-06-16T16:11:38.926" v="4702" actId="2696"/>
         <pc:sldMkLst>
           <pc:docMk/>
           <pc:sldMk cId="61967934" sldId="642"/>
@@ -1363,6 +1366,13 @@
           </ac:spMkLst>
         </pc:spChg>
       </pc:sldChg>
+      <pc:sldChg chg="add">
+        <pc:chgData name="Long B Nguyen" userId="f59fb8f3-a021-417a-8bc1-65c8d471c621" providerId="ADAL" clId="{34548085-73B9-DD45-AD31-2F40B14F23B0}" dt="2021-06-16T16:11:42.160" v="4703"/>
+        <pc:sldMkLst>
+          <pc:docMk/>
+          <pc:sldMk cId="2053114744" sldId="642"/>
+        </pc:sldMkLst>
+      </pc:sldChg>
       <pc:sldChg chg="modSp add mod">
         <pc:chgData name="Long B Nguyen" userId="f59fb8f3-a021-417a-8bc1-65c8d471c621" providerId="ADAL" clId="{34548085-73B9-DD45-AD31-2F40B14F23B0}" dt="2021-06-14T16:55:51.858" v="3550" actId="113"/>
         <pc:sldMkLst>
@@ -1386,6 +1396,45 @@
           </ac:spMkLst>
         </pc:spChg>
       </pc:sldChg>
+      <pc:sldChg chg="addSp delSp modSp add mod">
+        <pc:chgData name="Long B Nguyen" userId="f59fb8f3-a021-417a-8bc1-65c8d471c621" providerId="ADAL" clId="{34548085-73B9-DD45-AD31-2F40B14F23B0}" dt="2021-06-16T13:39:10.910" v="3598" actId="478"/>
+        <pc:sldMkLst>
+          <pc:docMk/>
+          <pc:sldMk cId="1173569227" sldId="644"/>
+        </pc:sldMkLst>
+        <pc:spChg chg="mod">
+          <ac:chgData name="Long B Nguyen" userId="f59fb8f3-a021-417a-8bc1-65c8d471c621" providerId="ADAL" clId="{34548085-73B9-DD45-AD31-2F40B14F23B0}" dt="2021-06-16T13:32:14.799" v="3593" actId="20577"/>
+          <ac:spMkLst>
+            <pc:docMk/>
+            <pc:sldMk cId="1173569227" sldId="644"/>
+            <ac:spMk id="16386" creationId="{FDE21009-F167-294A-90DA-D3129AD4DEB7}"/>
+          </ac:spMkLst>
+        </pc:spChg>
+        <pc:spChg chg="mod">
+          <ac:chgData name="Long B Nguyen" userId="f59fb8f3-a021-417a-8bc1-65c8d471c621" providerId="ADAL" clId="{34548085-73B9-DD45-AD31-2F40B14F23B0}" dt="2021-06-16T13:29:27.115" v="3585" actId="20577"/>
+          <ac:spMkLst>
+            <pc:docMk/>
+            <pc:sldMk cId="1173569227" sldId="644"/>
+            <ac:spMk id="22529" creationId="{62D2E821-4DA7-1A4C-90AB-7D29E754B92B}"/>
+          </ac:spMkLst>
+        </pc:spChg>
+        <pc:picChg chg="add mod">
+          <ac:chgData name="Long B Nguyen" userId="f59fb8f3-a021-417a-8bc1-65c8d471c621" providerId="ADAL" clId="{34548085-73B9-DD45-AD31-2F40B14F23B0}" dt="2021-06-16T13:37:58.087" v="3595" actId="1076"/>
+          <ac:picMkLst>
+            <pc:docMk/>
+            <pc:sldMk cId="1173569227" sldId="644"/>
+            <ac:picMk id="2" creationId="{DF68B120-B6D4-AF40-855E-7B120A897402}"/>
+          </ac:picMkLst>
+        </pc:picChg>
+        <pc:picChg chg="add del">
+          <ac:chgData name="Long B Nguyen" userId="f59fb8f3-a021-417a-8bc1-65c8d471c621" providerId="ADAL" clId="{34548085-73B9-DD45-AD31-2F40B14F23B0}" dt="2021-06-16T13:39:10.910" v="3598" actId="478"/>
+          <ac:picMkLst>
+            <pc:docMk/>
+            <pc:sldMk cId="1173569227" sldId="644"/>
+            <ac:picMk id="3" creationId="{58DDC3AF-D203-0A46-819E-AB464756610D}"/>
+          </ac:picMkLst>
+        </pc:picChg>
+      </pc:sldChg>
       <pc:sldChg chg="modSp add del mod">
         <pc:chgData name="Long B Nguyen" userId="f59fb8f3-a021-417a-8bc1-65c8d471c621" providerId="ADAL" clId="{34548085-73B9-DD45-AD31-2F40B14F23B0}" dt="2021-06-14T17:12:20.338" v="3553" actId="2696"/>
         <pc:sldMkLst>
@@ -1400,6 +1449,123 @@
             <ac:spMk id="16386" creationId="{FDE21009-F167-294A-90DA-D3129AD4DEB7}"/>
           </ac:spMkLst>
         </pc:spChg>
+      </pc:sldChg>
+      <pc:sldChg chg="delSp modSp add mod">
+        <pc:chgData name="Long B Nguyen" userId="f59fb8f3-a021-417a-8bc1-65c8d471c621" providerId="ADAL" clId="{34548085-73B9-DD45-AD31-2F40B14F23B0}" dt="2021-06-16T13:41:00.892" v="3828" actId="20577"/>
+        <pc:sldMkLst>
+          <pc:docMk/>
+          <pc:sldMk cId="3779115494" sldId="645"/>
+        </pc:sldMkLst>
+        <pc:spChg chg="mod">
+          <ac:chgData name="Long B Nguyen" userId="f59fb8f3-a021-417a-8bc1-65c8d471c621" providerId="ADAL" clId="{34548085-73B9-DD45-AD31-2F40B14F23B0}" dt="2021-06-16T13:41:00.892" v="3828" actId="20577"/>
+          <ac:spMkLst>
+            <pc:docMk/>
+            <pc:sldMk cId="3779115494" sldId="645"/>
+            <ac:spMk id="16386" creationId="{FDE21009-F167-294A-90DA-D3129AD4DEB7}"/>
+          </ac:spMkLst>
+        </pc:spChg>
+        <pc:picChg chg="del">
+          <ac:chgData name="Long B Nguyen" userId="f59fb8f3-a021-417a-8bc1-65c8d471c621" providerId="ADAL" clId="{34548085-73B9-DD45-AD31-2F40B14F23B0}" dt="2021-06-16T13:39:14.245" v="3599" actId="478"/>
+          <ac:picMkLst>
+            <pc:docMk/>
+            <pc:sldMk cId="3779115494" sldId="645"/>
+            <ac:picMk id="2" creationId="{DF68B120-B6D4-AF40-855E-7B120A897402}"/>
+          </ac:picMkLst>
+        </pc:picChg>
+        <pc:picChg chg="mod">
+          <ac:chgData name="Long B Nguyen" userId="f59fb8f3-a021-417a-8bc1-65c8d471c621" providerId="ADAL" clId="{34548085-73B9-DD45-AD31-2F40B14F23B0}" dt="2021-06-16T13:39:17.355" v="3601" actId="1076"/>
+          <ac:picMkLst>
+            <pc:docMk/>
+            <pc:sldMk cId="3779115494" sldId="645"/>
+            <ac:picMk id="3" creationId="{58DDC3AF-D203-0A46-819E-AB464756610D}"/>
+          </ac:picMkLst>
+        </pc:picChg>
+      </pc:sldChg>
+      <pc:sldChg chg="addSp delSp modSp add mod">
+        <pc:chgData name="Long B Nguyen" userId="f59fb8f3-a021-417a-8bc1-65c8d471c621" providerId="ADAL" clId="{34548085-73B9-DD45-AD31-2F40B14F23B0}" dt="2021-06-16T14:05:07.936" v="4436" actId="20577"/>
+        <pc:sldMkLst>
+          <pc:docMk/>
+          <pc:sldMk cId="3872924252" sldId="646"/>
+        </pc:sldMkLst>
+        <pc:spChg chg="mod">
+          <ac:chgData name="Long B Nguyen" userId="f59fb8f3-a021-417a-8bc1-65c8d471c621" providerId="ADAL" clId="{34548085-73B9-DD45-AD31-2F40B14F23B0}" dt="2021-06-16T14:05:07.936" v="4436" actId="20577"/>
+          <ac:spMkLst>
+            <pc:docMk/>
+            <pc:sldMk cId="3872924252" sldId="646"/>
+            <ac:spMk id="16386" creationId="{FDE21009-F167-294A-90DA-D3129AD4DEB7}"/>
+          </ac:spMkLst>
+        </pc:spChg>
+        <pc:spChg chg="mod">
+          <ac:chgData name="Long B Nguyen" userId="f59fb8f3-a021-417a-8bc1-65c8d471c621" providerId="ADAL" clId="{34548085-73B9-DD45-AD31-2F40B14F23B0}" dt="2021-06-16T14:00:39.672" v="4370" actId="20577"/>
+          <ac:spMkLst>
+            <pc:docMk/>
+            <pc:sldMk cId="3872924252" sldId="646"/>
+            <ac:spMk id="22529" creationId="{62D2E821-4DA7-1A4C-90AB-7D29E754B92B}"/>
+          </ac:spMkLst>
+        </pc:spChg>
+        <pc:picChg chg="add del mod">
+          <ac:chgData name="Long B Nguyen" userId="f59fb8f3-a021-417a-8bc1-65c8d471c621" providerId="ADAL" clId="{34548085-73B9-DD45-AD31-2F40B14F23B0}" dt="2021-06-16T14:04:52.945" v="4378" actId="478"/>
+          <ac:picMkLst>
+            <pc:docMk/>
+            <pc:sldMk cId="3872924252" sldId="646"/>
+            <ac:picMk id="2" creationId="{59F6A0F3-069E-8046-9E71-B6516DC12105}"/>
+          </ac:picMkLst>
+        </pc:picChg>
+        <pc:picChg chg="del">
+          <ac:chgData name="Long B Nguyen" userId="f59fb8f3-a021-417a-8bc1-65c8d471c621" providerId="ADAL" clId="{34548085-73B9-DD45-AD31-2F40B14F23B0}" dt="2021-06-16T13:42:01.875" v="3830" actId="478"/>
+          <ac:picMkLst>
+            <pc:docMk/>
+            <pc:sldMk cId="3872924252" sldId="646"/>
+            <ac:picMk id="3" creationId="{58DDC3AF-D203-0A46-819E-AB464756610D}"/>
+          </ac:picMkLst>
+        </pc:picChg>
+        <pc:picChg chg="add mod">
+          <ac:chgData name="Long B Nguyen" userId="f59fb8f3-a021-417a-8bc1-65c8d471c621" providerId="ADAL" clId="{34548085-73B9-DD45-AD31-2F40B14F23B0}" dt="2021-06-16T14:04:56.066" v="4380" actId="1076"/>
+          <ac:picMkLst>
+            <pc:docMk/>
+            <pc:sldMk cId="3872924252" sldId="646"/>
+            <ac:picMk id="4" creationId="{19C59126-D389-AB45-8B0A-100ADDD978A4}"/>
+          </ac:picMkLst>
+        </pc:picChg>
+      </pc:sldChg>
+      <pc:sldChg chg="addSp delSp modSp add mod">
+        <pc:chgData name="Long B Nguyen" userId="f59fb8f3-a021-417a-8bc1-65c8d471c621" providerId="ADAL" clId="{34548085-73B9-DD45-AD31-2F40B14F23B0}" dt="2021-06-16T14:18:20.154" v="4701" actId="20577"/>
+        <pc:sldMkLst>
+          <pc:docMk/>
+          <pc:sldMk cId="2588780036" sldId="647"/>
+        </pc:sldMkLst>
+        <pc:spChg chg="mod">
+          <ac:chgData name="Long B Nguyen" userId="f59fb8f3-a021-417a-8bc1-65c8d471c621" providerId="ADAL" clId="{34548085-73B9-DD45-AD31-2F40B14F23B0}" dt="2021-06-16T14:18:20.154" v="4701" actId="20577"/>
+          <ac:spMkLst>
+            <pc:docMk/>
+            <pc:sldMk cId="2588780036" sldId="647"/>
+            <ac:spMk id="16386" creationId="{FDE21009-F167-294A-90DA-D3129AD4DEB7}"/>
+          </ac:spMkLst>
+        </pc:spChg>
+        <pc:spChg chg="mod">
+          <ac:chgData name="Long B Nguyen" userId="f59fb8f3-a021-417a-8bc1-65c8d471c621" providerId="ADAL" clId="{34548085-73B9-DD45-AD31-2F40B14F23B0}" dt="2021-06-16T14:13:10.583" v="4461" actId="20577"/>
+          <ac:spMkLst>
+            <pc:docMk/>
+            <pc:sldMk cId="2588780036" sldId="647"/>
+            <ac:spMk id="22529" creationId="{62D2E821-4DA7-1A4C-90AB-7D29E754B92B}"/>
+          </ac:spMkLst>
+        </pc:spChg>
+        <pc:picChg chg="add mod">
+          <ac:chgData name="Long B Nguyen" userId="f59fb8f3-a021-417a-8bc1-65c8d471c621" providerId="ADAL" clId="{34548085-73B9-DD45-AD31-2F40B14F23B0}" dt="2021-06-16T14:18:05.917" v="4699" actId="1076"/>
+          <ac:picMkLst>
+            <pc:docMk/>
+            <pc:sldMk cId="2588780036" sldId="647"/>
+            <ac:picMk id="2" creationId="{D5D398D8-A768-E64D-96CA-0B9DB627C811}"/>
+          </ac:picMkLst>
+        </pc:picChg>
+        <pc:picChg chg="del">
+          <ac:chgData name="Long B Nguyen" userId="f59fb8f3-a021-417a-8bc1-65c8d471c621" providerId="ADAL" clId="{34548085-73B9-DD45-AD31-2F40B14F23B0}" dt="2021-06-16T14:12:59.155" v="4438" actId="478"/>
+          <ac:picMkLst>
+            <pc:docMk/>
+            <pc:sldMk cId="2588780036" sldId="647"/>
+            <ac:picMk id="4" creationId="{19C59126-D389-AB45-8B0A-100ADDD978A4}"/>
+          </ac:picMkLst>
+        </pc:picChg>
       </pc:sldChg>
     </pc:docChg>
   </pc:docChgLst>
@@ -4697,7 +4863,7 @@
           <a:p>
             <a:fld id="{11759725-BFEE-644C-A872-B7D4268C5620}" type="datetimeFigureOut">
               <a:rPr lang="en-US" smtClean="0"/>
-              <a:t>6/14/21</a:t>
+              <a:t>6/16/21</a:t>
             </a:fld>
             <a:endParaRPr lang="en-US"/>
           </a:p>
@@ -5530,7 +5696,1159 @@
     </p:spTree>
     <p:extLst>
       <p:ext uri="{BB962C8B-B14F-4D97-AF65-F5344CB8AC3E}">
-        <p14:creationId xmlns:p14="http://schemas.microsoft.com/office/powerpoint/2010/main" val="3535981027"/>
+        <p14:creationId xmlns:p14="http://schemas.microsoft.com/office/powerpoint/2010/main" val="2065361630"/>
+      </p:ext>
+    </p:extLst>
+  </p:cSld>
+  <p:clrMapOvr>
+    <a:masterClrMapping/>
+  </p:clrMapOvr>
+</p:notes>
+</file>
+
+<file path=ppt/notesSlides/notesSlide11.xml><?xml version="1.0" encoding="utf-8"?>
+<p:notes xmlns:a="http://schemas.openxmlformats.org/drawingml/2006/main" xmlns:r="http://schemas.openxmlformats.org/officeDocument/2006/relationships" xmlns:p="http://schemas.openxmlformats.org/presentationml/2006/main">
+  <p:cSld>
+    <p:spTree>
+      <p:nvGrpSpPr>
+        <p:cNvPr id="1" name=""/>
+        <p:cNvGrpSpPr/>
+        <p:nvPr/>
+      </p:nvGrpSpPr>
+      <p:grpSpPr>
+        <a:xfrm>
+          <a:off x="0" y="0"/>
+          <a:ext cx="0" cy="0"/>
+          <a:chOff x="0" y="0"/>
+          <a:chExt cx="0" cy="0"/>
+        </a:xfrm>
+      </p:grpSpPr>
+      <p:sp>
+        <p:nvSpPr>
+          <p:cNvPr id="23553" name="Rectangle 7">
+            <a:extLst>
+              <a:ext uri="{FF2B5EF4-FFF2-40B4-BE49-F238E27FC236}">
+                <a16:creationId xmlns:a16="http://schemas.microsoft.com/office/drawing/2014/main" id="{8E3A1009-731F-C64E-AD8E-D1DB73ACC09F}"/>
+              </a:ext>
+            </a:extLst>
+          </p:cNvPr>
+          <p:cNvSpPr>
+            <a:spLocks noGrp="1" noChangeArrowheads="1"/>
+          </p:cNvSpPr>
+          <p:nvPr>
+            <p:ph type="sldNum" sz="quarter" idx="5"/>
+          </p:nvPr>
+        </p:nvSpPr>
+        <p:spPr bwMode="auto">
+          <a:noFill/>
+          <a:extLst>
+            <a:ext uri="{909E8E84-426E-40DD-AFC4-6F175D3DCCD1}">
+              <a14:hiddenFill xmlns:a14="http://schemas.microsoft.com/office/drawing/2010/main">
+                <a:solidFill>
+                  <a:srgbClr val="FFFFFF"/>
+                </a:solidFill>
+              </a14:hiddenFill>
+            </a:ext>
+            <a:ext uri="{91240B29-F687-4F45-9708-019B960494DF}">
+              <a14:hiddenLine xmlns:a14="http://schemas.microsoft.com/office/drawing/2010/main" w="9525">
+                <a:solidFill>
+                  <a:srgbClr val="000000"/>
+                </a:solidFill>
+                <a:miter lim="800000"/>
+                <a:headEnd/>
+                <a:tailEnd/>
+              </a14:hiddenLine>
+            </a:ext>
+          </a:extLst>
+        </p:spPr>
+        <p:txBody>
+          <a:bodyPr/>
+          <a:lstStyle>
+            <a:lvl1pPr>
+              <a:defRPr>
+                <a:solidFill>
+                  <a:schemeClr val="tx1"/>
+                </a:solidFill>
+                <a:latin typeface="Arial" panose="020B0604020202020204" pitchFamily="34" charset="0"/>
+                <a:ea typeface="ＭＳ Ｐゴシック" panose="020B0600070205080204" pitchFamily="34" charset="-128"/>
+              </a:defRPr>
+            </a:lvl1pPr>
+            <a:lvl2pPr marL="742950" indent="-285750">
+              <a:defRPr>
+                <a:solidFill>
+                  <a:schemeClr val="tx1"/>
+                </a:solidFill>
+                <a:latin typeface="Arial" panose="020B0604020202020204" pitchFamily="34" charset="0"/>
+                <a:ea typeface="ＭＳ Ｐゴシック" panose="020B0600070205080204" pitchFamily="34" charset="-128"/>
+              </a:defRPr>
+            </a:lvl2pPr>
+            <a:lvl3pPr marL="1143000" indent="-228600">
+              <a:defRPr>
+                <a:solidFill>
+                  <a:schemeClr val="tx1"/>
+                </a:solidFill>
+                <a:latin typeface="Arial" panose="020B0604020202020204" pitchFamily="34" charset="0"/>
+                <a:ea typeface="ＭＳ Ｐゴシック" panose="020B0600070205080204" pitchFamily="34" charset="-128"/>
+              </a:defRPr>
+            </a:lvl3pPr>
+            <a:lvl4pPr marL="1600200" indent="-228600">
+              <a:defRPr>
+                <a:solidFill>
+                  <a:schemeClr val="tx1"/>
+                </a:solidFill>
+                <a:latin typeface="Arial" panose="020B0604020202020204" pitchFamily="34" charset="0"/>
+                <a:ea typeface="ＭＳ Ｐゴシック" panose="020B0600070205080204" pitchFamily="34" charset="-128"/>
+              </a:defRPr>
+            </a:lvl4pPr>
+            <a:lvl5pPr marL="2057400" indent="-228600">
+              <a:defRPr>
+                <a:solidFill>
+                  <a:schemeClr val="tx1"/>
+                </a:solidFill>
+                <a:latin typeface="Arial" panose="020B0604020202020204" pitchFamily="34" charset="0"/>
+                <a:ea typeface="ＭＳ Ｐゴシック" panose="020B0600070205080204" pitchFamily="34" charset="-128"/>
+              </a:defRPr>
+            </a:lvl5pPr>
+            <a:lvl6pPr marL="2514600" indent="-228600" eaLnBrk="0" fontAlgn="base" hangingPunct="0">
+              <a:spcBef>
+                <a:spcPct val="0"/>
+              </a:spcBef>
+              <a:spcAft>
+                <a:spcPct val="0"/>
+              </a:spcAft>
+              <a:defRPr>
+                <a:solidFill>
+                  <a:schemeClr val="tx1"/>
+                </a:solidFill>
+                <a:latin typeface="Arial" panose="020B0604020202020204" pitchFamily="34" charset="0"/>
+                <a:ea typeface="ＭＳ Ｐゴシック" panose="020B0600070205080204" pitchFamily="34" charset="-128"/>
+              </a:defRPr>
+            </a:lvl6pPr>
+            <a:lvl7pPr marL="2971800" indent="-228600" eaLnBrk="0" fontAlgn="base" hangingPunct="0">
+              <a:spcBef>
+                <a:spcPct val="0"/>
+              </a:spcBef>
+              <a:spcAft>
+                <a:spcPct val="0"/>
+              </a:spcAft>
+              <a:defRPr>
+                <a:solidFill>
+                  <a:schemeClr val="tx1"/>
+                </a:solidFill>
+                <a:latin typeface="Arial" panose="020B0604020202020204" pitchFamily="34" charset="0"/>
+                <a:ea typeface="ＭＳ Ｐゴシック" panose="020B0600070205080204" pitchFamily="34" charset="-128"/>
+              </a:defRPr>
+            </a:lvl7pPr>
+            <a:lvl8pPr marL="3429000" indent="-228600" eaLnBrk="0" fontAlgn="base" hangingPunct="0">
+              <a:spcBef>
+                <a:spcPct val="0"/>
+              </a:spcBef>
+              <a:spcAft>
+                <a:spcPct val="0"/>
+              </a:spcAft>
+              <a:defRPr>
+                <a:solidFill>
+                  <a:schemeClr val="tx1"/>
+                </a:solidFill>
+                <a:latin typeface="Arial" panose="020B0604020202020204" pitchFamily="34" charset="0"/>
+                <a:ea typeface="ＭＳ Ｐゴシック" panose="020B0600070205080204" pitchFamily="34" charset="-128"/>
+              </a:defRPr>
+            </a:lvl8pPr>
+            <a:lvl9pPr marL="3886200" indent="-228600" eaLnBrk="0" fontAlgn="base" hangingPunct="0">
+              <a:spcBef>
+                <a:spcPct val="0"/>
+              </a:spcBef>
+              <a:spcAft>
+                <a:spcPct val="0"/>
+              </a:spcAft>
+              <a:defRPr>
+                <a:solidFill>
+                  <a:schemeClr val="tx1"/>
+                </a:solidFill>
+                <a:latin typeface="Arial" panose="020B0604020202020204" pitchFamily="34" charset="0"/>
+                <a:ea typeface="ＭＳ Ｐゴシック" panose="020B0600070205080204" pitchFamily="34" charset="-128"/>
+              </a:defRPr>
+            </a:lvl9pPr>
+          </a:lstStyle>
+          <a:p>
+            <a:fld id="{9F030869-8102-9E45-98B5-EF336C50A7E9}" type="slidenum">
+              <a:rPr lang="en-US" altLang="en-US" smtClean="0"/>
+              <a:pPr/>
+              <a:t>12</a:t>
+            </a:fld>
+            <a:endParaRPr lang="en-US" altLang="en-US"/>
+          </a:p>
+        </p:txBody>
+      </p:sp>
+      <p:sp>
+        <p:nvSpPr>
+          <p:cNvPr id="23554" name="Rectangle 2">
+            <a:extLst>
+              <a:ext uri="{FF2B5EF4-FFF2-40B4-BE49-F238E27FC236}">
+                <a16:creationId xmlns:a16="http://schemas.microsoft.com/office/drawing/2014/main" id="{75DAFCEC-735E-3C4C-9766-B03B39AF9033}"/>
+              </a:ext>
+            </a:extLst>
+          </p:cNvPr>
+          <p:cNvSpPr>
+            <a:spLocks noGrp="1" noRot="1" noChangeAspect="1" noChangeArrowheads="1" noTextEdit="1"/>
+          </p:cNvSpPr>
+          <p:nvPr>
+            <p:ph type="sldImg"/>
+          </p:nvPr>
+        </p:nvSpPr>
+        <p:spPr bwMode="auto">
+          <a:xfrm>
+            <a:off x="687388" y="685800"/>
+            <a:ext cx="5486400" cy="3429000"/>
+          </a:xfrm>
+          <a:noFill/>
+          <a:ln>
+            <a:solidFill>
+              <a:srgbClr val="000000"/>
+            </a:solidFill>
+            <a:miter lim="800000"/>
+            <a:headEnd/>
+            <a:tailEnd/>
+          </a:ln>
+          <a:extLst>
+            <a:ext uri="{909E8E84-426E-40DD-AFC4-6F175D3DCCD1}">
+              <a14:hiddenFill xmlns:a14="http://schemas.microsoft.com/office/drawing/2010/main">
+                <a:solidFill>
+                  <a:srgbClr val="FFFFFF"/>
+                </a:solidFill>
+              </a14:hiddenFill>
+            </a:ext>
+          </a:extLst>
+        </p:spPr>
+      </p:sp>
+      <p:sp>
+        <p:nvSpPr>
+          <p:cNvPr id="23555" name="Rectangle 3">
+            <a:extLst>
+              <a:ext uri="{FF2B5EF4-FFF2-40B4-BE49-F238E27FC236}">
+                <a16:creationId xmlns:a16="http://schemas.microsoft.com/office/drawing/2014/main" id="{16AF218D-0C4A-AB42-ACEA-759FBC9D1F00}"/>
+              </a:ext>
+            </a:extLst>
+          </p:cNvPr>
+          <p:cNvSpPr>
+            <a:spLocks noGrp="1" noChangeArrowheads="1"/>
+          </p:cNvSpPr>
+          <p:nvPr>
+            <p:ph type="body" idx="1"/>
+          </p:nvPr>
+        </p:nvSpPr>
+        <p:spPr bwMode="auto">
+          <a:xfrm>
+            <a:off x="914400" y="4343400"/>
+            <a:ext cx="5029200" cy="4114800"/>
+          </a:xfrm>
+          <a:noFill/>
+          <a:extLst>
+            <a:ext uri="{909E8E84-426E-40DD-AFC4-6F175D3DCCD1}">
+              <a14:hiddenFill xmlns:a14="http://schemas.microsoft.com/office/drawing/2010/main">
+                <a:solidFill>
+                  <a:srgbClr val="FFFFFF"/>
+                </a:solidFill>
+              </a14:hiddenFill>
+            </a:ext>
+            <a:ext uri="{91240B29-F687-4F45-9708-019B960494DF}">
+              <a14:hiddenLine xmlns:a14="http://schemas.microsoft.com/office/drawing/2010/main" w="9525">
+                <a:solidFill>
+                  <a:srgbClr val="000000"/>
+                </a:solidFill>
+                <a:miter lim="800000"/>
+                <a:headEnd/>
+                <a:tailEnd/>
+              </a14:hiddenLine>
+            </a:ext>
+          </a:extLst>
+        </p:spPr>
+        <p:txBody>
+          <a:bodyPr wrap="square" numCol="1" anchor="t" anchorCtr="0" compatLnSpc="1">
+            <a:prstTxWarp prst="textNoShape">
+              <a:avLst/>
+            </a:prstTxWarp>
+          </a:bodyPr>
+          <a:lstStyle/>
+          <a:p>
+            <a:pPr eaLnBrk="1" hangingPunct="1"/>
+            <a:r>
+              <a:rPr lang="en-US" altLang="en-US">
+                <a:ea typeface="ＭＳ Ｐゴシック" panose="020B0600070205080204" pitchFamily="34" charset="-128"/>
+              </a:rPr>
+              <a:t>Crash Course: Cybersecurity</a:t>
+            </a:r>
+          </a:p>
+        </p:txBody>
+      </p:sp>
+    </p:spTree>
+    <p:extLst>
+      <p:ext uri="{BB962C8B-B14F-4D97-AF65-F5344CB8AC3E}">
+        <p14:creationId xmlns:p14="http://schemas.microsoft.com/office/powerpoint/2010/main" val="515623403"/>
+      </p:ext>
+    </p:extLst>
+  </p:cSld>
+  <p:clrMapOvr>
+    <a:masterClrMapping/>
+  </p:clrMapOvr>
+</p:notes>
+</file>
+
+<file path=ppt/notesSlides/notesSlide12.xml><?xml version="1.0" encoding="utf-8"?>
+<p:notes xmlns:a="http://schemas.openxmlformats.org/drawingml/2006/main" xmlns:r="http://schemas.openxmlformats.org/officeDocument/2006/relationships" xmlns:p="http://schemas.openxmlformats.org/presentationml/2006/main">
+  <p:cSld>
+    <p:spTree>
+      <p:nvGrpSpPr>
+        <p:cNvPr id="1" name=""/>
+        <p:cNvGrpSpPr/>
+        <p:nvPr/>
+      </p:nvGrpSpPr>
+      <p:grpSpPr>
+        <a:xfrm>
+          <a:off x="0" y="0"/>
+          <a:ext cx="0" cy="0"/>
+          <a:chOff x="0" y="0"/>
+          <a:chExt cx="0" cy="0"/>
+        </a:xfrm>
+      </p:grpSpPr>
+      <p:sp>
+        <p:nvSpPr>
+          <p:cNvPr id="23553" name="Rectangle 7">
+            <a:extLst>
+              <a:ext uri="{FF2B5EF4-FFF2-40B4-BE49-F238E27FC236}">
+                <a16:creationId xmlns:a16="http://schemas.microsoft.com/office/drawing/2014/main" id="{8E3A1009-731F-C64E-AD8E-D1DB73ACC09F}"/>
+              </a:ext>
+            </a:extLst>
+          </p:cNvPr>
+          <p:cNvSpPr>
+            <a:spLocks noGrp="1" noChangeArrowheads="1"/>
+          </p:cNvSpPr>
+          <p:nvPr>
+            <p:ph type="sldNum" sz="quarter" idx="5"/>
+          </p:nvPr>
+        </p:nvSpPr>
+        <p:spPr bwMode="auto">
+          <a:noFill/>
+          <a:extLst>
+            <a:ext uri="{909E8E84-426E-40DD-AFC4-6F175D3DCCD1}">
+              <a14:hiddenFill xmlns:a14="http://schemas.microsoft.com/office/drawing/2010/main">
+                <a:solidFill>
+                  <a:srgbClr val="FFFFFF"/>
+                </a:solidFill>
+              </a14:hiddenFill>
+            </a:ext>
+            <a:ext uri="{91240B29-F687-4F45-9708-019B960494DF}">
+              <a14:hiddenLine xmlns:a14="http://schemas.microsoft.com/office/drawing/2010/main" w="9525">
+                <a:solidFill>
+                  <a:srgbClr val="000000"/>
+                </a:solidFill>
+                <a:miter lim="800000"/>
+                <a:headEnd/>
+                <a:tailEnd/>
+              </a14:hiddenLine>
+            </a:ext>
+          </a:extLst>
+        </p:spPr>
+        <p:txBody>
+          <a:bodyPr/>
+          <a:lstStyle>
+            <a:lvl1pPr>
+              <a:defRPr>
+                <a:solidFill>
+                  <a:schemeClr val="tx1"/>
+                </a:solidFill>
+                <a:latin typeface="Arial" panose="020B0604020202020204" pitchFamily="34" charset="0"/>
+                <a:ea typeface="ＭＳ Ｐゴシック" panose="020B0600070205080204" pitchFamily="34" charset="-128"/>
+              </a:defRPr>
+            </a:lvl1pPr>
+            <a:lvl2pPr marL="742950" indent="-285750">
+              <a:defRPr>
+                <a:solidFill>
+                  <a:schemeClr val="tx1"/>
+                </a:solidFill>
+                <a:latin typeface="Arial" panose="020B0604020202020204" pitchFamily="34" charset="0"/>
+                <a:ea typeface="ＭＳ Ｐゴシック" panose="020B0600070205080204" pitchFamily="34" charset="-128"/>
+              </a:defRPr>
+            </a:lvl2pPr>
+            <a:lvl3pPr marL="1143000" indent="-228600">
+              <a:defRPr>
+                <a:solidFill>
+                  <a:schemeClr val="tx1"/>
+                </a:solidFill>
+                <a:latin typeface="Arial" panose="020B0604020202020204" pitchFamily="34" charset="0"/>
+                <a:ea typeface="ＭＳ Ｐゴシック" panose="020B0600070205080204" pitchFamily="34" charset="-128"/>
+              </a:defRPr>
+            </a:lvl3pPr>
+            <a:lvl4pPr marL="1600200" indent="-228600">
+              <a:defRPr>
+                <a:solidFill>
+                  <a:schemeClr val="tx1"/>
+                </a:solidFill>
+                <a:latin typeface="Arial" panose="020B0604020202020204" pitchFamily="34" charset="0"/>
+                <a:ea typeface="ＭＳ Ｐゴシック" panose="020B0600070205080204" pitchFamily="34" charset="-128"/>
+              </a:defRPr>
+            </a:lvl4pPr>
+            <a:lvl5pPr marL="2057400" indent="-228600">
+              <a:defRPr>
+                <a:solidFill>
+                  <a:schemeClr val="tx1"/>
+                </a:solidFill>
+                <a:latin typeface="Arial" panose="020B0604020202020204" pitchFamily="34" charset="0"/>
+                <a:ea typeface="ＭＳ Ｐゴシック" panose="020B0600070205080204" pitchFamily="34" charset="-128"/>
+              </a:defRPr>
+            </a:lvl5pPr>
+            <a:lvl6pPr marL="2514600" indent="-228600" eaLnBrk="0" fontAlgn="base" hangingPunct="0">
+              <a:spcBef>
+                <a:spcPct val="0"/>
+              </a:spcBef>
+              <a:spcAft>
+                <a:spcPct val="0"/>
+              </a:spcAft>
+              <a:defRPr>
+                <a:solidFill>
+                  <a:schemeClr val="tx1"/>
+                </a:solidFill>
+                <a:latin typeface="Arial" panose="020B0604020202020204" pitchFamily="34" charset="0"/>
+                <a:ea typeface="ＭＳ Ｐゴシック" panose="020B0600070205080204" pitchFamily="34" charset="-128"/>
+              </a:defRPr>
+            </a:lvl6pPr>
+            <a:lvl7pPr marL="2971800" indent="-228600" eaLnBrk="0" fontAlgn="base" hangingPunct="0">
+              <a:spcBef>
+                <a:spcPct val="0"/>
+              </a:spcBef>
+              <a:spcAft>
+                <a:spcPct val="0"/>
+              </a:spcAft>
+              <a:defRPr>
+                <a:solidFill>
+                  <a:schemeClr val="tx1"/>
+                </a:solidFill>
+                <a:latin typeface="Arial" panose="020B0604020202020204" pitchFamily="34" charset="0"/>
+                <a:ea typeface="ＭＳ Ｐゴシック" panose="020B0600070205080204" pitchFamily="34" charset="-128"/>
+              </a:defRPr>
+            </a:lvl7pPr>
+            <a:lvl8pPr marL="3429000" indent="-228600" eaLnBrk="0" fontAlgn="base" hangingPunct="0">
+              <a:spcBef>
+                <a:spcPct val="0"/>
+              </a:spcBef>
+              <a:spcAft>
+                <a:spcPct val="0"/>
+              </a:spcAft>
+              <a:defRPr>
+                <a:solidFill>
+                  <a:schemeClr val="tx1"/>
+                </a:solidFill>
+                <a:latin typeface="Arial" panose="020B0604020202020204" pitchFamily="34" charset="0"/>
+                <a:ea typeface="ＭＳ Ｐゴシック" panose="020B0600070205080204" pitchFamily="34" charset="-128"/>
+              </a:defRPr>
+            </a:lvl8pPr>
+            <a:lvl9pPr marL="3886200" indent="-228600" eaLnBrk="0" fontAlgn="base" hangingPunct="0">
+              <a:spcBef>
+                <a:spcPct val="0"/>
+              </a:spcBef>
+              <a:spcAft>
+                <a:spcPct val="0"/>
+              </a:spcAft>
+              <a:defRPr>
+                <a:solidFill>
+                  <a:schemeClr val="tx1"/>
+                </a:solidFill>
+                <a:latin typeface="Arial" panose="020B0604020202020204" pitchFamily="34" charset="0"/>
+                <a:ea typeface="ＭＳ Ｐゴシック" panose="020B0600070205080204" pitchFamily="34" charset="-128"/>
+              </a:defRPr>
+            </a:lvl9pPr>
+          </a:lstStyle>
+          <a:p>
+            <a:fld id="{9F030869-8102-9E45-98B5-EF336C50A7E9}" type="slidenum">
+              <a:rPr lang="en-US" altLang="en-US" smtClean="0"/>
+              <a:pPr/>
+              <a:t>13</a:t>
+            </a:fld>
+            <a:endParaRPr lang="en-US" altLang="en-US"/>
+          </a:p>
+        </p:txBody>
+      </p:sp>
+      <p:sp>
+        <p:nvSpPr>
+          <p:cNvPr id="23554" name="Rectangle 2">
+            <a:extLst>
+              <a:ext uri="{FF2B5EF4-FFF2-40B4-BE49-F238E27FC236}">
+                <a16:creationId xmlns:a16="http://schemas.microsoft.com/office/drawing/2014/main" id="{75DAFCEC-735E-3C4C-9766-B03B39AF9033}"/>
+              </a:ext>
+            </a:extLst>
+          </p:cNvPr>
+          <p:cNvSpPr>
+            <a:spLocks noGrp="1" noRot="1" noChangeAspect="1" noChangeArrowheads="1" noTextEdit="1"/>
+          </p:cNvSpPr>
+          <p:nvPr>
+            <p:ph type="sldImg"/>
+          </p:nvPr>
+        </p:nvSpPr>
+        <p:spPr bwMode="auto">
+          <a:xfrm>
+            <a:off x="687388" y="685800"/>
+            <a:ext cx="5486400" cy="3429000"/>
+          </a:xfrm>
+          <a:noFill/>
+          <a:ln>
+            <a:solidFill>
+              <a:srgbClr val="000000"/>
+            </a:solidFill>
+            <a:miter lim="800000"/>
+            <a:headEnd/>
+            <a:tailEnd/>
+          </a:ln>
+          <a:extLst>
+            <a:ext uri="{909E8E84-426E-40DD-AFC4-6F175D3DCCD1}">
+              <a14:hiddenFill xmlns:a14="http://schemas.microsoft.com/office/drawing/2010/main">
+                <a:solidFill>
+                  <a:srgbClr val="FFFFFF"/>
+                </a:solidFill>
+              </a14:hiddenFill>
+            </a:ext>
+          </a:extLst>
+        </p:spPr>
+      </p:sp>
+      <p:sp>
+        <p:nvSpPr>
+          <p:cNvPr id="23555" name="Rectangle 3">
+            <a:extLst>
+              <a:ext uri="{FF2B5EF4-FFF2-40B4-BE49-F238E27FC236}">
+                <a16:creationId xmlns:a16="http://schemas.microsoft.com/office/drawing/2014/main" id="{16AF218D-0C4A-AB42-ACEA-759FBC9D1F00}"/>
+              </a:ext>
+            </a:extLst>
+          </p:cNvPr>
+          <p:cNvSpPr>
+            <a:spLocks noGrp="1" noChangeArrowheads="1"/>
+          </p:cNvSpPr>
+          <p:nvPr>
+            <p:ph type="body" idx="1"/>
+          </p:nvPr>
+        </p:nvSpPr>
+        <p:spPr bwMode="auto">
+          <a:xfrm>
+            <a:off x="914400" y="4343400"/>
+            <a:ext cx="5029200" cy="4114800"/>
+          </a:xfrm>
+          <a:noFill/>
+          <a:extLst>
+            <a:ext uri="{909E8E84-426E-40DD-AFC4-6F175D3DCCD1}">
+              <a14:hiddenFill xmlns:a14="http://schemas.microsoft.com/office/drawing/2010/main">
+                <a:solidFill>
+                  <a:srgbClr val="FFFFFF"/>
+                </a:solidFill>
+              </a14:hiddenFill>
+            </a:ext>
+            <a:ext uri="{91240B29-F687-4F45-9708-019B960494DF}">
+              <a14:hiddenLine xmlns:a14="http://schemas.microsoft.com/office/drawing/2010/main" w="9525">
+                <a:solidFill>
+                  <a:srgbClr val="000000"/>
+                </a:solidFill>
+                <a:miter lim="800000"/>
+                <a:headEnd/>
+                <a:tailEnd/>
+              </a14:hiddenLine>
+            </a:ext>
+          </a:extLst>
+        </p:spPr>
+        <p:txBody>
+          <a:bodyPr wrap="square" numCol="1" anchor="t" anchorCtr="0" compatLnSpc="1">
+            <a:prstTxWarp prst="textNoShape">
+              <a:avLst/>
+            </a:prstTxWarp>
+          </a:bodyPr>
+          <a:lstStyle/>
+          <a:p>
+            <a:pPr eaLnBrk="1" hangingPunct="1"/>
+            <a:r>
+              <a:rPr lang="en-US" altLang="en-US">
+                <a:ea typeface="ＭＳ Ｐゴシック" panose="020B0600070205080204" pitchFamily="34" charset="-128"/>
+              </a:rPr>
+              <a:t>Crash Course: Cybersecurity</a:t>
+            </a:r>
+          </a:p>
+        </p:txBody>
+      </p:sp>
+    </p:spTree>
+    <p:extLst>
+      <p:ext uri="{BB962C8B-B14F-4D97-AF65-F5344CB8AC3E}">
+        <p14:creationId xmlns:p14="http://schemas.microsoft.com/office/powerpoint/2010/main" val="695138183"/>
+      </p:ext>
+    </p:extLst>
+  </p:cSld>
+  <p:clrMapOvr>
+    <a:masterClrMapping/>
+  </p:clrMapOvr>
+</p:notes>
+</file>
+
+<file path=ppt/notesSlides/notesSlide13.xml><?xml version="1.0" encoding="utf-8"?>
+<p:notes xmlns:a="http://schemas.openxmlformats.org/drawingml/2006/main" xmlns:r="http://schemas.openxmlformats.org/officeDocument/2006/relationships" xmlns:p="http://schemas.openxmlformats.org/presentationml/2006/main">
+  <p:cSld>
+    <p:spTree>
+      <p:nvGrpSpPr>
+        <p:cNvPr id="1" name=""/>
+        <p:cNvGrpSpPr/>
+        <p:nvPr/>
+      </p:nvGrpSpPr>
+      <p:grpSpPr>
+        <a:xfrm>
+          <a:off x="0" y="0"/>
+          <a:ext cx="0" cy="0"/>
+          <a:chOff x="0" y="0"/>
+          <a:chExt cx="0" cy="0"/>
+        </a:xfrm>
+      </p:grpSpPr>
+      <p:sp>
+        <p:nvSpPr>
+          <p:cNvPr id="23553" name="Rectangle 7">
+            <a:extLst>
+              <a:ext uri="{FF2B5EF4-FFF2-40B4-BE49-F238E27FC236}">
+                <a16:creationId xmlns:a16="http://schemas.microsoft.com/office/drawing/2014/main" id="{8E3A1009-731F-C64E-AD8E-D1DB73ACC09F}"/>
+              </a:ext>
+            </a:extLst>
+          </p:cNvPr>
+          <p:cNvSpPr>
+            <a:spLocks noGrp="1" noChangeArrowheads="1"/>
+          </p:cNvSpPr>
+          <p:nvPr>
+            <p:ph type="sldNum" sz="quarter" idx="5"/>
+          </p:nvPr>
+        </p:nvSpPr>
+        <p:spPr bwMode="auto">
+          <a:noFill/>
+          <a:extLst>
+            <a:ext uri="{909E8E84-426E-40DD-AFC4-6F175D3DCCD1}">
+              <a14:hiddenFill xmlns:a14="http://schemas.microsoft.com/office/drawing/2010/main">
+                <a:solidFill>
+                  <a:srgbClr val="FFFFFF"/>
+                </a:solidFill>
+              </a14:hiddenFill>
+            </a:ext>
+            <a:ext uri="{91240B29-F687-4F45-9708-019B960494DF}">
+              <a14:hiddenLine xmlns:a14="http://schemas.microsoft.com/office/drawing/2010/main" w="9525">
+                <a:solidFill>
+                  <a:srgbClr val="000000"/>
+                </a:solidFill>
+                <a:miter lim="800000"/>
+                <a:headEnd/>
+                <a:tailEnd/>
+              </a14:hiddenLine>
+            </a:ext>
+          </a:extLst>
+        </p:spPr>
+        <p:txBody>
+          <a:bodyPr/>
+          <a:lstStyle>
+            <a:lvl1pPr>
+              <a:defRPr>
+                <a:solidFill>
+                  <a:schemeClr val="tx1"/>
+                </a:solidFill>
+                <a:latin typeface="Arial" panose="020B0604020202020204" pitchFamily="34" charset="0"/>
+                <a:ea typeface="ＭＳ Ｐゴシック" panose="020B0600070205080204" pitchFamily="34" charset="-128"/>
+              </a:defRPr>
+            </a:lvl1pPr>
+            <a:lvl2pPr marL="742950" indent="-285750">
+              <a:defRPr>
+                <a:solidFill>
+                  <a:schemeClr val="tx1"/>
+                </a:solidFill>
+                <a:latin typeface="Arial" panose="020B0604020202020204" pitchFamily="34" charset="0"/>
+                <a:ea typeface="ＭＳ Ｐゴシック" panose="020B0600070205080204" pitchFamily="34" charset="-128"/>
+              </a:defRPr>
+            </a:lvl2pPr>
+            <a:lvl3pPr marL="1143000" indent="-228600">
+              <a:defRPr>
+                <a:solidFill>
+                  <a:schemeClr val="tx1"/>
+                </a:solidFill>
+                <a:latin typeface="Arial" panose="020B0604020202020204" pitchFamily="34" charset="0"/>
+                <a:ea typeface="ＭＳ Ｐゴシック" panose="020B0600070205080204" pitchFamily="34" charset="-128"/>
+              </a:defRPr>
+            </a:lvl3pPr>
+            <a:lvl4pPr marL="1600200" indent="-228600">
+              <a:defRPr>
+                <a:solidFill>
+                  <a:schemeClr val="tx1"/>
+                </a:solidFill>
+                <a:latin typeface="Arial" panose="020B0604020202020204" pitchFamily="34" charset="0"/>
+                <a:ea typeface="ＭＳ Ｐゴシック" panose="020B0600070205080204" pitchFamily="34" charset="-128"/>
+              </a:defRPr>
+            </a:lvl4pPr>
+            <a:lvl5pPr marL="2057400" indent="-228600">
+              <a:defRPr>
+                <a:solidFill>
+                  <a:schemeClr val="tx1"/>
+                </a:solidFill>
+                <a:latin typeface="Arial" panose="020B0604020202020204" pitchFamily="34" charset="0"/>
+                <a:ea typeface="ＭＳ Ｐゴシック" panose="020B0600070205080204" pitchFamily="34" charset="-128"/>
+              </a:defRPr>
+            </a:lvl5pPr>
+            <a:lvl6pPr marL="2514600" indent="-228600" eaLnBrk="0" fontAlgn="base" hangingPunct="0">
+              <a:spcBef>
+                <a:spcPct val="0"/>
+              </a:spcBef>
+              <a:spcAft>
+                <a:spcPct val="0"/>
+              </a:spcAft>
+              <a:defRPr>
+                <a:solidFill>
+                  <a:schemeClr val="tx1"/>
+                </a:solidFill>
+                <a:latin typeface="Arial" panose="020B0604020202020204" pitchFamily="34" charset="0"/>
+                <a:ea typeface="ＭＳ Ｐゴシック" panose="020B0600070205080204" pitchFamily="34" charset="-128"/>
+              </a:defRPr>
+            </a:lvl6pPr>
+            <a:lvl7pPr marL="2971800" indent="-228600" eaLnBrk="0" fontAlgn="base" hangingPunct="0">
+              <a:spcBef>
+                <a:spcPct val="0"/>
+              </a:spcBef>
+              <a:spcAft>
+                <a:spcPct val="0"/>
+              </a:spcAft>
+              <a:defRPr>
+                <a:solidFill>
+                  <a:schemeClr val="tx1"/>
+                </a:solidFill>
+                <a:latin typeface="Arial" panose="020B0604020202020204" pitchFamily="34" charset="0"/>
+                <a:ea typeface="ＭＳ Ｐゴシック" panose="020B0600070205080204" pitchFamily="34" charset="-128"/>
+              </a:defRPr>
+            </a:lvl7pPr>
+            <a:lvl8pPr marL="3429000" indent="-228600" eaLnBrk="0" fontAlgn="base" hangingPunct="0">
+              <a:spcBef>
+                <a:spcPct val="0"/>
+              </a:spcBef>
+              <a:spcAft>
+                <a:spcPct val="0"/>
+              </a:spcAft>
+              <a:defRPr>
+                <a:solidFill>
+                  <a:schemeClr val="tx1"/>
+                </a:solidFill>
+                <a:latin typeface="Arial" panose="020B0604020202020204" pitchFamily="34" charset="0"/>
+                <a:ea typeface="ＭＳ Ｐゴシック" panose="020B0600070205080204" pitchFamily="34" charset="-128"/>
+              </a:defRPr>
+            </a:lvl8pPr>
+            <a:lvl9pPr marL="3886200" indent="-228600" eaLnBrk="0" fontAlgn="base" hangingPunct="0">
+              <a:spcBef>
+                <a:spcPct val="0"/>
+              </a:spcBef>
+              <a:spcAft>
+                <a:spcPct val="0"/>
+              </a:spcAft>
+              <a:defRPr>
+                <a:solidFill>
+                  <a:schemeClr val="tx1"/>
+                </a:solidFill>
+                <a:latin typeface="Arial" panose="020B0604020202020204" pitchFamily="34" charset="0"/>
+                <a:ea typeface="ＭＳ Ｐゴシック" panose="020B0600070205080204" pitchFamily="34" charset="-128"/>
+              </a:defRPr>
+            </a:lvl9pPr>
+          </a:lstStyle>
+          <a:p>
+            <a:fld id="{9F030869-8102-9E45-98B5-EF336C50A7E9}" type="slidenum">
+              <a:rPr lang="en-US" altLang="en-US" smtClean="0"/>
+              <a:pPr/>
+              <a:t>14</a:t>
+            </a:fld>
+            <a:endParaRPr lang="en-US" altLang="en-US"/>
+          </a:p>
+        </p:txBody>
+      </p:sp>
+      <p:sp>
+        <p:nvSpPr>
+          <p:cNvPr id="23554" name="Rectangle 2">
+            <a:extLst>
+              <a:ext uri="{FF2B5EF4-FFF2-40B4-BE49-F238E27FC236}">
+                <a16:creationId xmlns:a16="http://schemas.microsoft.com/office/drawing/2014/main" id="{75DAFCEC-735E-3C4C-9766-B03B39AF9033}"/>
+              </a:ext>
+            </a:extLst>
+          </p:cNvPr>
+          <p:cNvSpPr>
+            <a:spLocks noGrp="1" noRot="1" noChangeAspect="1" noChangeArrowheads="1" noTextEdit="1"/>
+          </p:cNvSpPr>
+          <p:nvPr>
+            <p:ph type="sldImg"/>
+          </p:nvPr>
+        </p:nvSpPr>
+        <p:spPr bwMode="auto">
+          <a:xfrm>
+            <a:off x="687388" y="685800"/>
+            <a:ext cx="5486400" cy="3429000"/>
+          </a:xfrm>
+          <a:noFill/>
+          <a:ln>
+            <a:solidFill>
+              <a:srgbClr val="000000"/>
+            </a:solidFill>
+            <a:miter lim="800000"/>
+            <a:headEnd/>
+            <a:tailEnd/>
+          </a:ln>
+          <a:extLst>
+            <a:ext uri="{909E8E84-426E-40DD-AFC4-6F175D3DCCD1}">
+              <a14:hiddenFill xmlns:a14="http://schemas.microsoft.com/office/drawing/2010/main">
+                <a:solidFill>
+                  <a:srgbClr val="FFFFFF"/>
+                </a:solidFill>
+              </a14:hiddenFill>
+            </a:ext>
+          </a:extLst>
+        </p:spPr>
+      </p:sp>
+      <p:sp>
+        <p:nvSpPr>
+          <p:cNvPr id="23555" name="Rectangle 3">
+            <a:extLst>
+              <a:ext uri="{FF2B5EF4-FFF2-40B4-BE49-F238E27FC236}">
+                <a16:creationId xmlns:a16="http://schemas.microsoft.com/office/drawing/2014/main" id="{16AF218D-0C4A-AB42-ACEA-759FBC9D1F00}"/>
+              </a:ext>
+            </a:extLst>
+          </p:cNvPr>
+          <p:cNvSpPr>
+            <a:spLocks noGrp="1" noChangeArrowheads="1"/>
+          </p:cNvSpPr>
+          <p:nvPr>
+            <p:ph type="body" idx="1"/>
+          </p:nvPr>
+        </p:nvSpPr>
+        <p:spPr bwMode="auto">
+          <a:xfrm>
+            <a:off x="914400" y="4343400"/>
+            <a:ext cx="5029200" cy="4114800"/>
+          </a:xfrm>
+          <a:noFill/>
+          <a:extLst>
+            <a:ext uri="{909E8E84-426E-40DD-AFC4-6F175D3DCCD1}">
+              <a14:hiddenFill xmlns:a14="http://schemas.microsoft.com/office/drawing/2010/main">
+                <a:solidFill>
+                  <a:srgbClr val="FFFFFF"/>
+                </a:solidFill>
+              </a14:hiddenFill>
+            </a:ext>
+            <a:ext uri="{91240B29-F687-4F45-9708-019B960494DF}">
+              <a14:hiddenLine xmlns:a14="http://schemas.microsoft.com/office/drawing/2010/main" w="9525">
+                <a:solidFill>
+                  <a:srgbClr val="000000"/>
+                </a:solidFill>
+                <a:miter lim="800000"/>
+                <a:headEnd/>
+                <a:tailEnd/>
+              </a14:hiddenLine>
+            </a:ext>
+          </a:extLst>
+        </p:spPr>
+        <p:txBody>
+          <a:bodyPr wrap="square" numCol="1" anchor="t" anchorCtr="0" compatLnSpc="1">
+            <a:prstTxWarp prst="textNoShape">
+              <a:avLst/>
+            </a:prstTxWarp>
+          </a:bodyPr>
+          <a:lstStyle/>
+          <a:p>
+            <a:pPr eaLnBrk="1" hangingPunct="1"/>
+            <a:r>
+              <a:rPr lang="en-US" altLang="en-US">
+                <a:ea typeface="ＭＳ Ｐゴシック" panose="020B0600070205080204" pitchFamily="34" charset="-128"/>
+              </a:rPr>
+              <a:t>Crash Course: Cybersecurity</a:t>
+            </a:r>
+          </a:p>
+        </p:txBody>
+      </p:sp>
+    </p:spTree>
+    <p:extLst>
+      <p:ext uri="{BB962C8B-B14F-4D97-AF65-F5344CB8AC3E}">
+        <p14:creationId xmlns:p14="http://schemas.microsoft.com/office/powerpoint/2010/main" val="1134780207"/>
+      </p:ext>
+    </p:extLst>
+  </p:cSld>
+  <p:clrMapOvr>
+    <a:masterClrMapping/>
+  </p:clrMapOvr>
+</p:notes>
+</file>
+
+<file path=ppt/notesSlides/notesSlide14.xml><?xml version="1.0" encoding="utf-8"?>
+<p:notes xmlns:a="http://schemas.openxmlformats.org/drawingml/2006/main" xmlns:r="http://schemas.openxmlformats.org/officeDocument/2006/relationships" xmlns:p="http://schemas.openxmlformats.org/presentationml/2006/main">
+  <p:cSld>
+    <p:spTree>
+      <p:nvGrpSpPr>
+        <p:cNvPr id="1" name=""/>
+        <p:cNvGrpSpPr/>
+        <p:nvPr/>
+      </p:nvGrpSpPr>
+      <p:grpSpPr>
+        <a:xfrm>
+          <a:off x="0" y="0"/>
+          <a:ext cx="0" cy="0"/>
+          <a:chOff x="0" y="0"/>
+          <a:chExt cx="0" cy="0"/>
+        </a:xfrm>
+      </p:grpSpPr>
+      <p:sp>
+        <p:nvSpPr>
+          <p:cNvPr id="23553" name="Rectangle 7">
+            <a:extLst>
+              <a:ext uri="{FF2B5EF4-FFF2-40B4-BE49-F238E27FC236}">
+                <a16:creationId xmlns:a16="http://schemas.microsoft.com/office/drawing/2014/main" id="{8E3A1009-731F-C64E-AD8E-D1DB73ACC09F}"/>
+              </a:ext>
+            </a:extLst>
+          </p:cNvPr>
+          <p:cNvSpPr>
+            <a:spLocks noGrp="1" noChangeArrowheads="1"/>
+          </p:cNvSpPr>
+          <p:nvPr>
+            <p:ph type="sldNum" sz="quarter" idx="5"/>
+          </p:nvPr>
+        </p:nvSpPr>
+        <p:spPr bwMode="auto">
+          <a:noFill/>
+          <a:extLst>
+            <a:ext uri="{909E8E84-426E-40DD-AFC4-6F175D3DCCD1}">
+              <a14:hiddenFill xmlns:a14="http://schemas.microsoft.com/office/drawing/2010/main">
+                <a:solidFill>
+                  <a:srgbClr val="FFFFFF"/>
+                </a:solidFill>
+              </a14:hiddenFill>
+            </a:ext>
+            <a:ext uri="{91240B29-F687-4F45-9708-019B960494DF}">
+              <a14:hiddenLine xmlns:a14="http://schemas.microsoft.com/office/drawing/2010/main" w="9525">
+                <a:solidFill>
+                  <a:srgbClr val="000000"/>
+                </a:solidFill>
+                <a:miter lim="800000"/>
+                <a:headEnd/>
+                <a:tailEnd/>
+              </a14:hiddenLine>
+            </a:ext>
+          </a:extLst>
+        </p:spPr>
+        <p:txBody>
+          <a:bodyPr/>
+          <a:lstStyle>
+            <a:lvl1pPr>
+              <a:defRPr>
+                <a:solidFill>
+                  <a:schemeClr val="tx1"/>
+                </a:solidFill>
+                <a:latin typeface="Arial" panose="020B0604020202020204" pitchFamily="34" charset="0"/>
+                <a:ea typeface="ＭＳ Ｐゴシック" panose="020B0600070205080204" pitchFamily="34" charset="-128"/>
+              </a:defRPr>
+            </a:lvl1pPr>
+            <a:lvl2pPr marL="742950" indent="-285750">
+              <a:defRPr>
+                <a:solidFill>
+                  <a:schemeClr val="tx1"/>
+                </a:solidFill>
+                <a:latin typeface="Arial" panose="020B0604020202020204" pitchFamily="34" charset="0"/>
+                <a:ea typeface="ＭＳ Ｐゴシック" panose="020B0600070205080204" pitchFamily="34" charset="-128"/>
+              </a:defRPr>
+            </a:lvl2pPr>
+            <a:lvl3pPr marL="1143000" indent="-228600">
+              <a:defRPr>
+                <a:solidFill>
+                  <a:schemeClr val="tx1"/>
+                </a:solidFill>
+                <a:latin typeface="Arial" panose="020B0604020202020204" pitchFamily="34" charset="0"/>
+                <a:ea typeface="ＭＳ Ｐゴシック" panose="020B0600070205080204" pitchFamily="34" charset="-128"/>
+              </a:defRPr>
+            </a:lvl3pPr>
+            <a:lvl4pPr marL="1600200" indent="-228600">
+              <a:defRPr>
+                <a:solidFill>
+                  <a:schemeClr val="tx1"/>
+                </a:solidFill>
+                <a:latin typeface="Arial" panose="020B0604020202020204" pitchFamily="34" charset="0"/>
+                <a:ea typeface="ＭＳ Ｐゴシック" panose="020B0600070205080204" pitchFamily="34" charset="-128"/>
+              </a:defRPr>
+            </a:lvl4pPr>
+            <a:lvl5pPr marL="2057400" indent="-228600">
+              <a:defRPr>
+                <a:solidFill>
+                  <a:schemeClr val="tx1"/>
+                </a:solidFill>
+                <a:latin typeface="Arial" panose="020B0604020202020204" pitchFamily="34" charset="0"/>
+                <a:ea typeface="ＭＳ Ｐゴシック" panose="020B0600070205080204" pitchFamily="34" charset="-128"/>
+              </a:defRPr>
+            </a:lvl5pPr>
+            <a:lvl6pPr marL="2514600" indent="-228600" eaLnBrk="0" fontAlgn="base" hangingPunct="0">
+              <a:spcBef>
+                <a:spcPct val="0"/>
+              </a:spcBef>
+              <a:spcAft>
+                <a:spcPct val="0"/>
+              </a:spcAft>
+              <a:defRPr>
+                <a:solidFill>
+                  <a:schemeClr val="tx1"/>
+                </a:solidFill>
+                <a:latin typeface="Arial" panose="020B0604020202020204" pitchFamily="34" charset="0"/>
+                <a:ea typeface="ＭＳ Ｐゴシック" panose="020B0600070205080204" pitchFamily="34" charset="-128"/>
+              </a:defRPr>
+            </a:lvl6pPr>
+            <a:lvl7pPr marL="2971800" indent="-228600" eaLnBrk="0" fontAlgn="base" hangingPunct="0">
+              <a:spcBef>
+                <a:spcPct val="0"/>
+              </a:spcBef>
+              <a:spcAft>
+                <a:spcPct val="0"/>
+              </a:spcAft>
+              <a:defRPr>
+                <a:solidFill>
+                  <a:schemeClr val="tx1"/>
+                </a:solidFill>
+                <a:latin typeface="Arial" panose="020B0604020202020204" pitchFamily="34" charset="0"/>
+                <a:ea typeface="ＭＳ Ｐゴシック" panose="020B0600070205080204" pitchFamily="34" charset="-128"/>
+              </a:defRPr>
+            </a:lvl7pPr>
+            <a:lvl8pPr marL="3429000" indent="-228600" eaLnBrk="0" fontAlgn="base" hangingPunct="0">
+              <a:spcBef>
+                <a:spcPct val="0"/>
+              </a:spcBef>
+              <a:spcAft>
+                <a:spcPct val="0"/>
+              </a:spcAft>
+              <a:defRPr>
+                <a:solidFill>
+                  <a:schemeClr val="tx1"/>
+                </a:solidFill>
+                <a:latin typeface="Arial" panose="020B0604020202020204" pitchFamily="34" charset="0"/>
+                <a:ea typeface="ＭＳ Ｐゴシック" panose="020B0600070205080204" pitchFamily="34" charset="-128"/>
+              </a:defRPr>
+            </a:lvl8pPr>
+            <a:lvl9pPr marL="3886200" indent="-228600" eaLnBrk="0" fontAlgn="base" hangingPunct="0">
+              <a:spcBef>
+                <a:spcPct val="0"/>
+              </a:spcBef>
+              <a:spcAft>
+                <a:spcPct val="0"/>
+              </a:spcAft>
+              <a:defRPr>
+                <a:solidFill>
+                  <a:schemeClr val="tx1"/>
+                </a:solidFill>
+                <a:latin typeface="Arial" panose="020B0604020202020204" pitchFamily="34" charset="0"/>
+                <a:ea typeface="ＭＳ Ｐゴシック" panose="020B0600070205080204" pitchFamily="34" charset="-128"/>
+              </a:defRPr>
+            </a:lvl9pPr>
+          </a:lstStyle>
+          <a:p>
+            <a:fld id="{9F030869-8102-9E45-98B5-EF336C50A7E9}" type="slidenum">
+              <a:rPr lang="en-US" altLang="en-US" smtClean="0"/>
+              <a:pPr/>
+              <a:t>15</a:t>
+            </a:fld>
+            <a:endParaRPr lang="en-US" altLang="en-US"/>
+          </a:p>
+        </p:txBody>
+      </p:sp>
+      <p:sp>
+        <p:nvSpPr>
+          <p:cNvPr id="23554" name="Rectangle 2">
+            <a:extLst>
+              <a:ext uri="{FF2B5EF4-FFF2-40B4-BE49-F238E27FC236}">
+                <a16:creationId xmlns:a16="http://schemas.microsoft.com/office/drawing/2014/main" id="{75DAFCEC-735E-3C4C-9766-B03B39AF9033}"/>
+              </a:ext>
+            </a:extLst>
+          </p:cNvPr>
+          <p:cNvSpPr>
+            <a:spLocks noGrp="1" noRot="1" noChangeAspect="1" noChangeArrowheads="1" noTextEdit="1"/>
+          </p:cNvSpPr>
+          <p:nvPr>
+            <p:ph type="sldImg"/>
+          </p:nvPr>
+        </p:nvSpPr>
+        <p:spPr bwMode="auto">
+          <a:xfrm>
+            <a:off x="687388" y="685800"/>
+            <a:ext cx="5486400" cy="3429000"/>
+          </a:xfrm>
+          <a:noFill/>
+          <a:ln>
+            <a:solidFill>
+              <a:srgbClr val="000000"/>
+            </a:solidFill>
+            <a:miter lim="800000"/>
+            <a:headEnd/>
+            <a:tailEnd/>
+          </a:ln>
+          <a:extLst>
+            <a:ext uri="{909E8E84-426E-40DD-AFC4-6F175D3DCCD1}">
+              <a14:hiddenFill xmlns:a14="http://schemas.microsoft.com/office/drawing/2010/main">
+                <a:solidFill>
+                  <a:srgbClr val="FFFFFF"/>
+                </a:solidFill>
+              </a14:hiddenFill>
+            </a:ext>
+          </a:extLst>
+        </p:spPr>
+      </p:sp>
+      <p:sp>
+        <p:nvSpPr>
+          <p:cNvPr id="23555" name="Rectangle 3">
+            <a:extLst>
+              <a:ext uri="{FF2B5EF4-FFF2-40B4-BE49-F238E27FC236}">
+                <a16:creationId xmlns:a16="http://schemas.microsoft.com/office/drawing/2014/main" id="{16AF218D-0C4A-AB42-ACEA-759FBC9D1F00}"/>
+              </a:ext>
+            </a:extLst>
+          </p:cNvPr>
+          <p:cNvSpPr>
+            <a:spLocks noGrp="1" noChangeArrowheads="1"/>
+          </p:cNvSpPr>
+          <p:nvPr>
+            <p:ph type="body" idx="1"/>
+          </p:nvPr>
+        </p:nvSpPr>
+        <p:spPr bwMode="auto">
+          <a:xfrm>
+            <a:off x="914400" y="4343400"/>
+            <a:ext cx="5029200" cy="4114800"/>
+          </a:xfrm>
+          <a:noFill/>
+          <a:extLst>
+            <a:ext uri="{909E8E84-426E-40DD-AFC4-6F175D3DCCD1}">
+              <a14:hiddenFill xmlns:a14="http://schemas.microsoft.com/office/drawing/2010/main">
+                <a:solidFill>
+                  <a:srgbClr val="FFFFFF"/>
+                </a:solidFill>
+              </a14:hiddenFill>
+            </a:ext>
+            <a:ext uri="{91240B29-F687-4F45-9708-019B960494DF}">
+              <a14:hiddenLine xmlns:a14="http://schemas.microsoft.com/office/drawing/2010/main" w="9525">
+                <a:solidFill>
+                  <a:srgbClr val="000000"/>
+                </a:solidFill>
+                <a:miter lim="800000"/>
+                <a:headEnd/>
+                <a:tailEnd/>
+              </a14:hiddenLine>
+            </a:ext>
+          </a:extLst>
+        </p:spPr>
+        <p:txBody>
+          <a:bodyPr wrap="square" numCol="1" anchor="t" anchorCtr="0" compatLnSpc="1">
+            <a:prstTxWarp prst="textNoShape">
+              <a:avLst/>
+            </a:prstTxWarp>
+          </a:bodyPr>
+          <a:lstStyle/>
+          <a:p>
+            <a:pPr eaLnBrk="1" hangingPunct="1"/>
+            <a:r>
+              <a:rPr lang="en-US" altLang="en-US">
+                <a:ea typeface="ＭＳ Ｐゴシック" panose="020B0600070205080204" pitchFamily="34" charset="-128"/>
+              </a:rPr>
+              <a:t>Crash Course: Cybersecurity</a:t>
+            </a:r>
+          </a:p>
+        </p:txBody>
+      </p:sp>
+    </p:spTree>
+    <p:extLst>
+      <p:ext uri="{BB962C8B-B14F-4D97-AF65-F5344CB8AC3E}">
+        <p14:creationId xmlns:p14="http://schemas.microsoft.com/office/powerpoint/2010/main" val="2197017627"/>
       </p:ext>
     </p:extLst>
   </p:cSld>
@@ -7834,7 +9152,7 @@
     </p:spTree>
     <p:extLst>
       <p:ext uri="{BB962C8B-B14F-4D97-AF65-F5344CB8AC3E}">
-        <p14:creationId xmlns:p14="http://schemas.microsoft.com/office/powerpoint/2010/main" val="3543763348"/>
+        <p14:creationId xmlns:p14="http://schemas.microsoft.com/office/powerpoint/2010/main" val="3535981027"/>
       </p:ext>
     </p:extLst>
   </p:cSld>
@@ -7975,7 +9293,7 @@
           <a:p>
             <a:fld id="{4AAD347D-5ACD-4C99-B74B-A9C85AD731AF}" type="datetimeFigureOut">
               <a:rPr lang="en-US" smtClean="0"/>
-              <a:t>6/14/21</a:t>
+              <a:t>6/16/21</a:t>
             </a:fld>
             <a:endParaRPr lang="en-US" dirty="0"/>
           </a:p>
@@ -8145,7 +9463,7 @@
           <a:p>
             <a:fld id="{4509A250-FF31-4206-8172-F9D3106AACB1}" type="datetimeFigureOut">
               <a:rPr lang="en-US" smtClean="0"/>
-              <a:t>6/14/21</a:t>
+              <a:t>6/16/21</a:t>
             </a:fld>
             <a:endParaRPr lang="en-US" dirty="0"/>
           </a:p>
@@ -8325,7 +9643,7 @@
           <a:p>
             <a:fld id="{4509A250-FF31-4206-8172-F9D3106AACB1}" type="datetimeFigureOut">
               <a:rPr lang="en-US" smtClean="0"/>
-              <a:t>6/14/21</a:t>
+              <a:t>6/16/21</a:t>
             </a:fld>
             <a:endParaRPr lang="en-US" dirty="0"/>
           </a:p>
@@ -8495,7 +9813,7 @@
           <a:p>
             <a:fld id="{4509A250-FF31-4206-8172-F9D3106AACB1}" type="datetimeFigureOut">
               <a:rPr lang="en-US" smtClean="0"/>
-              <a:t>6/14/21</a:t>
+              <a:t>6/16/21</a:t>
             </a:fld>
             <a:endParaRPr lang="en-US" dirty="0"/>
           </a:p>
@@ -8741,7 +10059,7 @@
           <a:p>
             <a:fld id="{9796027F-7875-4030-9381-8BD8C4F21935}" type="datetimeFigureOut">
               <a:rPr lang="en-US" smtClean="0"/>
-              <a:t>6/14/21</a:t>
+              <a:t>6/16/21</a:t>
             </a:fld>
             <a:endParaRPr lang="en-US" dirty="0"/>
           </a:p>
@@ -8973,7 +10291,7 @@
           <a:p>
             <a:fld id="{9796027F-7875-4030-9381-8BD8C4F21935}" type="datetimeFigureOut">
               <a:rPr lang="en-US" smtClean="0"/>
-              <a:t>6/14/21</a:t>
+              <a:t>6/16/21</a:t>
             </a:fld>
             <a:endParaRPr lang="en-US" dirty="0"/>
           </a:p>
@@ -9340,7 +10658,7 @@
           <a:p>
             <a:fld id="{9796027F-7875-4030-9381-8BD8C4F21935}" type="datetimeFigureOut">
               <a:rPr lang="en-US" smtClean="0"/>
-              <a:t>6/14/21</a:t>
+              <a:t>6/16/21</a:t>
             </a:fld>
             <a:endParaRPr lang="en-US" dirty="0"/>
           </a:p>
@@ -9458,7 +10776,7 @@
           <a:p>
             <a:fld id="{4509A250-FF31-4206-8172-F9D3106AACB1}" type="datetimeFigureOut">
               <a:rPr lang="en-US" smtClean="0"/>
-              <a:t>6/14/21</a:t>
+              <a:t>6/16/21</a:t>
             </a:fld>
             <a:endParaRPr lang="en-US" dirty="0"/>
           </a:p>
@@ -9553,7 +10871,7 @@
           <a:p>
             <a:fld id="{4509A250-FF31-4206-8172-F9D3106AACB1}" type="datetimeFigureOut">
               <a:rPr lang="en-US" smtClean="0"/>
-              <a:t>6/14/21</a:t>
+              <a:t>6/16/21</a:t>
             </a:fld>
             <a:endParaRPr lang="en-US" dirty="0"/>
           </a:p>
@@ -9830,7 +11148,7 @@
           <a:p>
             <a:fld id="{4509A250-FF31-4206-8172-F9D3106AACB1}" type="datetimeFigureOut">
               <a:rPr lang="en-US" smtClean="0"/>
-              <a:t>6/14/21</a:t>
+              <a:t>6/16/21</a:t>
             </a:fld>
             <a:endParaRPr lang="en-US" dirty="0"/>
           </a:p>
@@ -10087,7 +11405,7 @@
           <a:p>
             <a:fld id="{4509A250-FF31-4206-8172-F9D3106AACB1}" type="datetimeFigureOut">
               <a:rPr lang="en-US" smtClean="0"/>
-              <a:t>6/14/21</a:t>
+              <a:t>6/16/21</a:t>
             </a:fld>
             <a:endParaRPr lang="en-US" dirty="0"/>
           </a:p>
@@ -10300,7 +11618,7 @@
           <a:p>
             <a:fld id="{4AAD347D-5ACD-4C99-B74B-A9C85AD731AF}" type="datetimeFigureOut">
               <a:rPr lang="en-US" smtClean="0"/>
-              <a:t>6/14/21</a:t>
+              <a:t>6/16/21</a:t>
             </a:fld>
             <a:endParaRPr lang="en-US" dirty="0"/>
           </a:p>
@@ -11259,7 +12577,7 @@
                 <a:latin typeface="Tahoma" panose="020B0604030504040204" pitchFamily="34" charset="0"/>
                 <a:ea typeface="ＭＳ Ｐゴシック" panose="020B0600070205080204" pitchFamily="34" charset="-128"/>
               </a:rPr>
-              <a:t>Data</a:t>
+              <a:t>Cleaning Data</a:t>
             </a:r>
           </a:p>
         </p:txBody>
@@ -11282,7 +12600,7 @@
         </p:nvSpPr>
         <p:spPr>
           <a:xfrm>
-            <a:off x="119641" y="536507"/>
+            <a:off x="119641" y="572367"/>
             <a:ext cx="8904720" cy="5178493"/>
           </a:xfrm>
         </p:spPr>
@@ -11297,70 +12615,94 @@
             </a:pPr>
             <a:r>
               <a:rPr lang="en-US" dirty="0"/>
-              <a:t>Digitally processed data may show correlation between variables. A correlation found in data does not necessarily indicate that a causal relationship exists. </a:t>
+              <a:t>Data sets pose challenges regardless of size, such as: </a:t>
+            </a:r>
+          </a:p>
+          <a:p>
+            <a:pPr lvl="1"/>
+            <a:r>
+              <a:rPr lang="en-US" dirty="0"/>
+              <a:t>the need to clean data</a:t>
+            </a:r>
+          </a:p>
+          <a:p>
+            <a:pPr lvl="1"/>
+            <a:r>
+              <a:rPr lang="en-US" dirty="0"/>
+              <a:t> incomplete data</a:t>
+            </a:r>
+          </a:p>
+          <a:p>
+            <a:pPr lvl="1"/>
+            <a:r>
+              <a:rPr lang="en-US" dirty="0"/>
+              <a:t>invalid data</a:t>
+            </a:r>
+          </a:p>
+          <a:p>
+            <a:pPr lvl="1"/>
+            <a:r>
+              <a:rPr lang="en-US" dirty="0"/>
+              <a:t>the need to combine data sources </a:t>
             </a:r>
           </a:p>
           <a:p>
             <a:pPr marL="0" indent="0">
               <a:buNone/>
             </a:pPr>
-            <a:endParaRPr lang="en-US" dirty="0"/>
+            <a:r>
+              <a:rPr lang="en-US" dirty="0"/>
+              <a:t>Depending on how data were collected, they may not be uniform. For example, if users enter data into an open field, the way they choose to abbreviate, spell, or capitalize something may vary from user to user. </a:t>
+            </a:r>
           </a:p>
           <a:p>
             <a:pPr marL="0" indent="0">
               <a:buNone/>
             </a:pPr>
-            <a:r>
-              <a:rPr lang="en-US" dirty="0"/>
-              <a:t>Additional research is needed to understand the exact nature of the relationship. </a:t>
-            </a:r>
+            <a:endParaRPr lang="en-US" dirty="0">
+              <a:effectLst/>
+            </a:endParaRPr>
           </a:p>
           <a:p>
             <a:pPr marL="0" indent="0">
               <a:buNone/>
             </a:pPr>
-            <a:endParaRPr lang="en-US" dirty="0"/>
+            <a:r>
+              <a:rPr lang="en-US" b="1" dirty="0"/>
+              <a:t>Cleaning data</a:t>
+            </a:r>
+            <a:r>
+              <a:rPr lang="en-US" i="1" dirty="0"/>
+              <a:t> </a:t>
+            </a:r>
+            <a:r>
+              <a:rPr lang="en-US" dirty="0"/>
+              <a:t>is a process that makes the data uniform without changing their meaning (e.g., replacing all equivalent abbreviations, spellings, and capitalizations with the same word). </a:t>
+            </a:r>
           </a:p>
           <a:p>
             <a:pPr marL="0" indent="0">
               <a:buNone/>
             </a:pPr>
-            <a:r>
-              <a:rPr lang="en-US" dirty="0"/>
-              <a:t>Often, a single source does not contain the data needed to draw a conclusion. It may be necessary to combine data from a variety of sources to formulate a conclusion. </a:t>
-            </a:r>
+            <a:endParaRPr lang="en-US" dirty="0">
+              <a:effectLst/>
+            </a:endParaRPr>
           </a:p>
           <a:p>
             <a:pPr marL="0" indent="0">
               <a:buNone/>
             </a:pPr>
-            <a:endParaRPr lang="en-US" dirty="0"/>
+            <a:r>
+              <a:rPr lang="en-US" dirty="0"/>
+              <a:t>Problems of bias are often created by the type or source of data being collected. Bias is not eliminated by simply collecting more data. </a:t>
+            </a:r>
           </a:p>
           <a:p>
             <a:pPr marL="0" indent="0">
               <a:buNone/>
             </a:pPr>
-            <a:r>
-              <a:rPr lang="en-US" dirty="0"/>
-              <a:t>Combining data sources, clustering data, and classifying data are parts of the process of using programs to gain insight and knowledge from data. </a:t>
-            </a:r>
-          </a:p>
-          <a:p>
-            <a:pPr marL="0" indent="0">
-              <a:buNone/>
-            </a:pPr>
-            <a:endParaRPr lang="en-US" dirty="0"/>
-          </a:p>
-          <a:p>
-            <a:pPr marL="38085" indent="0">
-              <a:buNone/>
-              <a:defRPr/>
-            </a:pPr>
-            <a:endParaRPr lang="en-US" b="1" dirty="0">
-              <a:solidFill>
-                <a:srgbClr val="008000"/>
-              </a:solidFill>
-              <a:latin typeface="Gill Sans MT" panose="020B0502020104020203" pitchFamily="34" charset="77"/>
+            <a:endParaRPr lang="en-US" dirty="0">
+              <a:effectLst/>
             </a:endParaRPr>
           </a:p>
         </p:txBody>
@@ -11368,7 +12710,7 @@
     </p:spTree>
     <p:extLst>
       <p:ext uri="{BB962C8B-B14F-4D97-AF65-F5344CB8AC3E}">
-        <p14:creationId xmlns:p14="http://schemas.microsoft.com/office/powerpoint/2010/main" val="61967934"/>
+        <p14:creationId xmlns:p14="http://schemas.microsoft.com/office/powerpoint/2010/main" val="3360808311"/>
       </p:ext>
     </p:extLst>
   </p:cSld>
@@ -11428,7 +12770,7 @@
                 <a:latin typeface="Tahoma" panose="020B0604030504040204" pitchFamily="34" charset="0"/>
                 <a:ea typeface="ＭＳ Ｐゴシック" panose="020B0600070205080204" pitchFamily="34" charset="-128"/>
               </a:rPr>
-              <a:t>Cleaning Data</a:t>
+              <a:t>Titanic Dataset Example</a:t>
             </a:r>
           </a:p>
         </p:txBody>
@@ -11465,95 +12807,762 @@
               <a:buNone/>
             </a:pPr>
             <a:r>
-              <a:rPr lang="en-US" dirty="0"/>
-              <a:t>Data sets pose challenges regardless of size, such as: </a:t>
-            </a:r>
-          </a:p>
-          <a:p>
-            <a:pPr lvl="1"/>
-            <a:r>
-              <a:rPr lang="en-US" dirty="0"/>
-              <a:t>the need to clean data</a:t>
-            </a:r>
-          </a:p>
-          <a:p>
-            <a:pPr lvl="1"/>
-            <a:r>
-              <a:rPr lang="en-US" dirty="0"/>
-              <a:t> incomplete data</a:t>
-            </a:r>
-          </a:p>
-          <a:p>
-            <a:pPr lvl="1"/>
-            <a:r>
-              <a:rPr lang="en-US" dirty="0"/>
-              <a:t>invalid data</a:t>
-            </a:r>
-          </a:p>
-          <a:p>
-            <a:pPr lvl="1"/>
-            <a:r>
-              <a:rPr lang="en-US" dirty="0"/>
-              <a:t>the need to combine data sources </a:t>
-            </a:r>
-          </a:p>
+              <a:rPr lang="en-US" sz="2000" dirty="0"/>
+              <a:t>On April 15, 1912, during her maiden voyage, the Titanic sank after colliding with an iceberg, killing 1502 out of 2224(32% survival rate) passengers and crew. </a:t>
+            </a:r>
+            <a:endParaRPr lang="en-US" sz="2000" dirty="0">
+              <a:effectLst/>
+            </a:endParaRPr>
+          </a:p>
+        </p:txBody>
+      </p:sp>
+      <p:pic>
+        <p:nvPicPr>
+          <p:cNvPr id="2" name="Picture 1">
+            <a:extLst>
+              <a:ext uri="{FF2B5EF4-FFF2-40B4-BE49-F238E27FC236}">
+                <a16:creationId xmlns:a16="http://schemas.microsoft.com/office/drawing/2014/main" id="{DF68B120-B6D4-AF40-855E-7B120A897402}"/>
+              </a:ext>
+            </a:extLst>
+          </p:cNvPr>
+          <p:cNvPicPr>
+            <a:picLocks noChangeAspect="1"/>
+          </p:cNvPicPr>
+          <p:nvPr/>
+        </p:nvPicPr>
+        <p:blipFill>
+          <a:blip r:embed="rId3"/>
+          <a:stretch>
+            <a:fillRect/>
+          </a:stretch>
+        </p:blipFill>
+        <p:spPr>
+          <a:xfrm>
+            <a:off x="0" y="1693149"/>
+            <a:ext cx="9144000" cy="3449484"/>
+          </a:xfrm>
+          <a:prstGeom prst="rect">
+            <a:avLst/>
+          </a:prstGeom>
+        </p:spPr>
+      </p:pic>
+    </p:spTree>
+    <p:extLst>
+      <p:ext uri="{BB962C8B-B14F-4D97-AF65-F5344CB8AC3E}">
+        <p14:creationId xmlns:p14="http://schemas.microsoft.com/office/powerpoint/2010/main" val="1173569227"/>
+      </p:ext>
+    </p:extLst>
+  </p:cSld>
+  <p:clrMapOvr>
+    <a:masterClrMapping/>
+  </p:clrMapOvr>
+  <p:transition/>
+</p:sld>
+</file>
+
+<file path=ppt/slides/slide12.xml><?xml version="1.0" encoding="utf-8"?>
+<p:sld xmlns:a="http://schemas.openxmlformats.org/drawingml/2006/main" xmlns:r="http://schemas.openxmlformats.org/officeDocument/2006/relationships" xmlns:p="http://schemas.openxmlformats.org/presentationml/2006/main">
+  <p:cSld>
+    <p:spTree>
+      <p:nvGrpSpPr>
+        <p:cNvPr id="1" name=""/>
+        <p:cNvGrpSpPr/>
+        <p:nvPr/>
+      </p:nvGrpSpPr>
+      <p:grpSpPr>
+        <a:xfrm>
+          <a:off x="0" y="0"/>
+          <a:ext cx="0" cy="0"/>
+          <a:chOff x="0" y="0"/>
+          <a:chExt cx="0" cy="0"/>
+        </a:xfrm>
+      </p:grpSpPr>
+      <p:sp>
+        <p:nvSpPr>
+          <p:cNvPr id="22529" name="Rectangle 2">
+            <a:extLst>
+              <a:ext uri="{FF2B5EF4-FFF2-40B4-BE49-F238E27FC236}">
+                <a16:creationId xmlns:a16="http://schemas.microsoft.com/office/drawing/2014/main" id="{62D2E821-4DA7-1A4C-90AB-7D29E754B92B}"/>
+              </a:ext>
+            </a:extLst>
+          </p:cNvPr>
+          <p:cNvSpPr>
+            <a:spLocks noGrp="1" noChangeArrowheads="1"/>
+          </p:cNvSpPr>
+          <p:nvPr>
+            <p:ph type="title"/>
+          </p:nvPr>
+        </p:nvSpPr>
+        <p:spPr>
+          <a:xfrm>
+            <a:off x="44825" y="0"/>
+            <a:ext cx="7766704" cy="632388"/>
+          </a:xfrm>
+        </p:spPr>
+        <p:txBody>
+          <a:bodyPr/>
+          <a:lstStyle/>
+          <a:p>
+            <a:pPr eaLnBrk="1" hangingPunct="1"/>
+            <a:r>
+              <a:rPr lang="en-US" altLang="en-US" dirty="0">
+                <a:latin typeface="Tahoma" panose="020B0604030504040204" pitchFamily="34" charset="0"/>
+                <a:ea typeface="ＭＳ Ｐゴシック" panose="020B0600070205080204" pitchFamily="34" charset="-128"/>
+              </a:rPr>
+              <a:t>Titanic Dataset Example</a:t>
+            </a:r>
+          </a:p>
+        </p:txBody>
+      </p:sp>
+      <p:sp>
+        <p:nvSpPr>
+          <p:cNvPr id="16386" name="Rectangle 3">
+            <a:extLst>
+              <a:ext uri="{FF2B5EF4-FFF2-40B4-BE49-F238E27FC236}">
+                <a16:creationId xmlns:a16="http://schemas.microsoft.com/office/drawing/2014/main" id="{FDE21009-F167-294A-90DA-D3129AD4DEB7}"/>
+              </a:ext>
+            </a:extLst>
+          </p:cNvPr>
+          <p:cNvSpPr>
+            <a:spLocks noGrp="1" noChangeArrowheads="1"/>
+          </p:cNvSpPr>
+          <p:nvPr>
+            <p:ph type="body" idx="1"/>
+          </p:nvPr>
+        </p:nvSpPr>
+        <p:spPr>
+          <a:xfrm>
+            <a:off x="119641" y="572367"/>
+            <a:ext cx="8904720" cy="5178493"/>
+          </a:xfrm>
+        </p:spPr>
+        <p:txBody>
+          <a:bodyPr>
+            <a:normAutofit/>
+          </a:bodyPr>
+          <a:lstStyle/>
           <a:p>
             <a:pPr marL="0" indent="0">
               <a:buNone/>
             </a:pPr>
             <a:r>
-              <a:rPr lang="en-US" dirty="0"/>
-              <a:t>Depending on how data were collected, they may not be uniform. For example, if users enter data into an open field, the way they choose to abbreviate, spell, or capitalize something may vary from user to user. </a:t>
-            </a:r>
-          </a:p>
+              <a:rPr lang="en-US" sz="2000" dirty="0">
+                <a:effectLst/>
+              </a:rPr>
+              <a:t>Calling the info() method on the </a:t>
+            </a:r>
+            <a:r>
+              <a:rPr lang="en-US" sz="2000" dirty="0" err="1">
+                <a:effectLst/>
+              </a:rPr>
+              <a:t>dataframe</a:t>
+            </a:r>
+            <a:r>
+              <a:rPr lang="en-US" sz="2000" dirty="0">
+                <a:effectLst/>
+              </a:rPr>
+              <a:t>, we can see that this dataset contains incomplete data. For example,  Age has only 714 entries(out of 891) and Cabin only has 204 entries(out of 891). </a:t>
+            </a:r>
+          </a:p>
+        </p:txBody>
+      </p:sp>
+      <p:pic>
+        <p:nvPicPr>
+          <p:cNvPr id="3" name="Picture 2">
+            <a:extLst>
+              <a:ext uri="{FF2B5EF4-FFF2-40B4-BE49-F238E27FC236}">
+                <a16:creationId xmlns:a16="http://schemas.microsoft.com/office/drawing/2014/main" id="{58DDC3AF-D203-0A46-819E-AB464756610D}"/>
+              </a:ext>
+            </a:extLst>
+          </p:cNvPr>
+          <p:cNvPicPr>
+            <a:picLocks noChangeAspect="1"/>
+          </p:cNvPicPr>
+          <p:nvPr/>
+        </p:nvPicPr>
+        <p:blipFill>
+          <a:blip r:embed="rId3"/>
+          <a:stretch>
+            <a:fillRect/>
+          </a:stretch>
+        </p:blipFill>
+        <p:spPr>
+          <a:xfrm>
+            <a:off x="0" y="1735238"/>
+            <a:ext cx="9144000" cy="3407395"/>
+          </a:xfrm>
+          <a:prstGeom prst="rect">
+            <a:avLst/>
+          </a:prstGeom>
+        </p:spPr>
+      </p:pic>
+    </p:spTree>
+    <p:extLst>
+      <p:ext uri="{BB962C8B-B14F-4D97-AF65-F5344CB8AC3E}">
+        <p14:creationId xmlns:p14="http://schemas.microsoft.com/office/powerpoint/2010/main" val="3779115494"/>
+      </p:ext>
+    </p:extLst>
+  </p:cSld>
+  <p:clrMapOvr>
+    <a:masterClrMapping/>
+  </p:clrMapOvr>
+  <p:transition/>
+</p:sld>
+</file>
+
+<file path=ppt/slides/slide13.xml><?xml version="1.0" encoding="utf-8"?>
+<p:sld xmlns:a="http://schemas.openxmlformats.org/drawingml/2006/main" xmlns:r="http://schemas.openxmlformats.org/officeDocument/2006/relationships" xmlns:p="http://schemas.openxmlformats.org/presentationml/2006/main">
+  <p:cSld>
+    <p:spTree>
+      <p:nvGrpSpPr>
+        <p:cNvPr id="1" name=""/>
+        <p:cNvGrpSpPr/>
+        <p:nvPr/>
+      </p:nvGrpSpPr>
+      <p:grpSpPr>
+        <a:xfrm>
+          <a:off x="0" y="0"/>
+          <a:ext cx="0" cy="0"/>
+          <a:chOff x="0" y="0"/>
+          <a:chExt cx="0" cy="0"/>
+        </a:xfrm>
+      </p:grpSpPr>
+      <p:sp>
+        <p:nvSpPr>
+          <p:cNvPr id="22529" name="Rectangle 2">
+            <a:extLst>
+              <a:ext uri="{FF2B5EF4-FFF2-40B4-BE49-F238E27FC236}">
+                <a16:creationId xmlns:a16="http://schemas.microsoft.com/office/drawing/2014/main" id="{62D2E821-4DA7-1A4C-90AB-7D29E754B92B}"/>
+              </a:ext>
+            </a:extLst>
+          </p:cNvPr>
+          <p:cNvSpPr>
+            <a:spLocks noGrp="1" noChangeArrowheads="1"/>
+          </p:cNvSpPr>
+          <p:nvPr>
+            <p:ph type="title"/>
+          </p:nvPr>
+        </p:nvSpPr>
+        <p:spPr>
+          <a:xfrm>
+            <a:off x="44825" y="0"/>
+            <a:ext cx="7766704" cy="632388"/>
+          </a:xfrm>
+        </p:spPr>
+        <p:txBody>
+          <a:bodyPr/>
+          <a:lstStyle/>
+          <a:p>
+            <a:pPr eaLnBrk="1" hangingPunct="1"/>
+            <a:r>
+              <a:rPr lang="en-US" altLang="en-US" dirty="0">
+                <a:latin typeface="Tahoma" panose="020B0604030504040204" pitchFamily="34" charset="0"/>
+                <a:ea typeface="ＭＳ Ｐゴシック" panose="020B0600070205080204" pitchFamily="34" charset="-128"/>
+              </a:rPr>
+              <a:t>Cleaning Data</a:t>
+            </a:r>
+          </a:p>
+        </p:txBody>
+      </p:sp>
+      <p:sp>
+        <p:nvSpPr>
+          <p:cNvPr id="16386" name="Rectangle 3">
+            <a:extLst>
+              <a:ext uri="{FF2B5EF4-FFF2-40B4-BE49-F238E27FC236}">
+                <a16:creationId xmlns:a16="http://schemas.microsoft.com/office/drawing/2014/main" id="{FDE21009-F167-294A-90DA-D3129AD4DEB7}"/>
+              </a:ext>
+            </a:extLst>
+          </p:cNvPr>
+          <p:cNvSpPr>
+            <a:spLocks noGrp="1" noChangeArrowheads="1"/>
+          </p:cNvSpPr>
+          <p:nvPr>
+            <p:ph type="body" idx="1"/>
+          </p:nvPr>
+        </p:nvSpPr>
+        <p:spPr>
+          <a:xfrm>
+            <a:off x="119641" y="572367"/>
+            <a:ext cx="8904720" cy="5178493"/>
+          </a:xfrm>
+        </p:spPr>
+        <p:txBody>
+          <a:bodyPr>
+            <a:normAutofit/>
+          </a:bodyPr>
+          <a:lstStyle/>
           <a:p>
             <a:pPr marL="0" indent="0">
               <a:buNone/>
             </a:pPr>
-            <a:endParaRPr lang="en-US" dirty="0">
+            <a:r>
+              <a:rPr lang="en-US" dirty="0"/>
+              <a:t>If we are trying to create a model that predicts which passengers survived the Titanic shipwreck. To get a good model, we may clean our data by:</a:t>
+            </a:r>
+          </a:p>
+          <a:p>
+            <a:r>
+              <a:rPr lang="en-US" sz="2000" dirty="0">
+                <a:effectLst/>
+              </a:rPr>
+              <a:t>dropping features that contain too many blank or null values(Cabin)</a:t>
+            </a:r>
+          </a:p>
+          <a:p>
+            <a:r>
+              <a:rPr lang="en-US" sz="2000" dirty="0"/>
+              <a:t>dropping features that </a:t>
+            </a:r>
+            <a:r>
+              <a:rPr lang="en-US" sz="2000" dirty="0">
+                <a:effectLst/>
+              </a:rPr>
+              <a:t>ma</a:t>
+            </a:r>
+            <a:r>
+              <a:rPr lang="en-US" sz="2000" dirty="0"/>
+              <a:t>y not have high correlation to our prediction(Name, </a:t>
+            </a:r>
+            <a:r>
+              <a:rPr lang="en-US" sz="2000" dirty="0" err="1"/>
+              <a:t>PassengerId</a:t>
+            </a:r>
+            <a:r>
+              <a:rPr lang="en-US" sz="2000" dirty="0"/>
+              <a:t>, Ticket)</a:t>
+            </a:r>
+          </a:p>
+          <a:p>
+            <a:endParaRPr lang="en-US" sz="2000" dirty="0">
               <a:effectLst/>
             </a:endParaRPr>
+          </a:p>
+          <a:p>
+            <a:endParaRPr lang="en-US" sz="2000" dirty="0"/>
+          </a:p>
+          <a:p>
+            <a:endParaRPr lang="en-US" sz="2000" dirty="0">
+              <a:effectLst/>
+            </a:endParaRPr>
+          </a:p>
+          <a:p>
+            <a:endParaRPr lang="en-US" sz="2000" dirty="0"/>
+          </a:p>
+          <a:p>
+            <a:endParaRPr lang="en-US" sz="2000" dirty="0">
+              <a:effectLst/>
+            </a:endParaRPr>
+          </a:p>
+          <a:p>
+            <a:endParaRPr lang="en-US" sz="2000" dirty="0"/>
+          </a:p>
+          <a:p>
+            <a:endParaRPr lang="en-US" sz="2000" dirty="0">
+              <a:effectLst/>
+            </a:endParaRPr>
+          </a:p>
+          <a:p>
+            <a:endParaRPr lang="en-US" sz="2000" dirty="0"/>
           </a:p>
           <a:p>
             <a:pPr marL="0" indent="0">
               <a:buNone/>
             </a:pPr>
             <a:r>
-              <a:rPr lang="en-US" b="1" dirty="0"/>
-              <a:t>Cleaning data</a:t>
-            </a:r>
-            <a:r>
-              <a:rPr lang="en-US" i="1" dirty="0"/>
-              <a:t> </a:t>
-            </a:r>
-            <a:r>
-              <a:rPr lang="en-US" dirty="0"/>
-              <a:t>is a process that makes the data uniform without changing their meaning (e.g., replacing all equivalent abbreviations, spellings, and capitalizations with the same word). </a:t>
-            </a:r>
-          </a:p>
+              <a:rPr lang="en-US" sz="2000" dirty="0"/>
+              <a:t>Note: We down to 8 columns instead of 12. </a:t>
+            </a:r>
+            <a:endParaRPr lang="en-US" sz="2000" dirty="0">
+              <a:effectLst/>
+            </a:endParaRPr>
+          </a:p>
+        </p:txBody>
+      </p:sp>
+      <p:pic>
+        <p:nvPicPr>
+          <p:cNvPr id="4" name="Picture 3">
+            <a:extLst>
+              <a:ext uri="{FF2B5EF4-FFF2-40B4-BE49-F238E27FC236}">
+                <a16:creationId xmlns:a16="http://schemas.microsoft.com/office/drawing/2014/main" id="{19C59126-D389-AB45-8B0A-100ADDD978A4}"/>
+              </a:ext>
+            </a:extLst>
+          </p:cNvPr>
+          <p:cNvPicPr>
+            <a:picLocks noChangeAspect="1"/>
+          </p:cNvPicPr>
+          <p:nvPr/>
+        </p:nvPicPr>
+        <p:blipFill>
+          <a:blip r:embed="rId3"/>
+          <a:stretch>
+            <a:fillRect/>
+          </a:stretch>
+        </p:blipFill>
+        <p:spPr>
+          <a:xfrm>
+            <a:off x="0" y="2544783"/>
+            <a:ext cx="9144000" cy="2508022"/>
+          </a:xfrm>
+          <a:prstGeom prst="rect">
+            <a:avLst/>
+          </a:prstGeom>
+        </p:spPr>
+      </p:pic>
+    </p:spTree>
+    <p:extLst>
+      <p:ext uri="{BB962C8B-B14F-4D97-AF65-F5344CB8AC3E}">
+        <p14:creationId xmlns:p14="http://schemas.microsoft.com/office/powerpoint/2010/main" val="3872924252"/>
+      </p:ext>
+    </p:extLst>
+  </p:cSld>
+  <p:clrMapOvr>
+    <a:masterClrMapping/>
+  </p:clrMapOvr>
+  <p:transition/>
+</p:sld>
+</file>
+
+<file path=ppt/slides/slide14.xml><?xml version="1.0" encoding="utf-8"?>
+<p:sld xmlns:a="http://schemas.openxmlformats.org/drawingml/2006/main" xmlns:r="http://schemas.openxmlformats.org/officeDocument/2006/relationships" xmlns:p="http://schemas.openxmlformats.org/presentationml/2006/main">
+  <p:cSld>
+    <p:spTree>
+      <p:nvGrpSpPr>
+        <p:cNvPr id="1" name=""/>
+        <p:cNvGrpSpPr/>
+        <p:nvPr/>
+      </p:nvGrpSpPr>
+      <p:grpSpPr>
+        <a:xfrm>
+          <a:off x="0" y="0"/>
+          <a:ext cx="0" cy="0"/>
+          <a:chOff x="0" y="0"/>
+          <a:chExt cx="0" cy="0"/>
+        </a:xfrm>
+      </p:grpSpPr>
+      <p:sp>
+        <p:nvSpPr>
+          <p:cNvPr id="22529" name="Rectangle 2">
+            <a:extLst>
+              <a:ext uri="{FF2B5EF4-FFF2-40B4-BE49-F238E27FC236}">
+                <a16:creationId xmlns:a16="http://schemas.microsoft.com/office/drawing/2014/main" id="{62D2E821-4DA7-1A4C-90AB-7D29E754B92B}"/>
+              </a:ext>
+            </a:extLst>
+          </p:cNvPr>
+          <p:cNvSpPr>
+            <a:spLocks noGrp="1" noChangeArrowheads="1"/>
+          </p:cNvSpPr>
+          <p:nvPr>
+            <p:ph type="title"/>
+          </p:nvPr>
+        </p:nvSpPr>
+        <p:spPr>
+          <a:xfrm>
+            <a:off x="44825" y="0"/>
+            <a:ext cx="7766704" cy="632388"/>
+          </a:xfrm>
+        </p:spPr>
+        <p:txBody>
+          <a:bodyPr/>
+          <a:lstStyle/>
+          <a:p>
+            <a:pPr eaLnBrk="1" hangingPunct="1"/>
+            <a:r>
+              <a:rPr lang="en-US" altLang="en-US" dirty="0">
+                <a:latin typeface="Tahoma" panose="020B0604030504040204" pitchFamily="34" charset="0"/>
+                <a:ea typeface="ＭＳ Ｐゴシック" panose="020B0600070205080204" pitchFamily="34" charset="-128"/>
+              </a:rPr>
+              <a:t>Extracting Information</a:t>
+            </a:r>
+          </a:p>
+        </p:txBody>
+      </p:sp>
+      <p:sp>
+        <p:nvSpPr>
+          <p:cNvPr id="16386" name="Rectangle 3">
+            <a:extLst>
+              <a:ext uri="{FF2B5EF4-FFF2-40B4-BE49-F238E27FC236}">
+                <a16:creationId xmlns:a16="http://schemas.microsoft.com/office/drawing/2014/main" id="{FDE21009-F167-294A-90DA-D3129AD4DEB7}"/>
+              </a:ext>
+            </a:extLst>
+          </p:cNvPr>
+          <p:cNvSpPr>
+            <a:spLocks noGrp="1" noChangeArrowheads="1"/>
+          </p:cNvSpPr>
+          <p:nvPr>
+            <p:ph type="body" idx="1"/>
+          </p:nvPr>
+        </p:nvSpPr>
+        <p:spPr>
+          <a:xfrm>
+            <a:off x="119641" y="572367"/>
+            <a:ext cx="8904720" cy="5178493"/>
+          </a:xfrm>
+        </p:spPr>
+        <p:txBody>
+          <a:bodyPr>
+            <a:normAutofit/>
+          </a:bodyPr>
+          <a:lstStyle/>
           <a:p>
             <a:pPr marL="0" indent="0">
               <a:buNone/>
             </a:pPr>
-            <a:endParaRPr lang="en-US" dirty="0">
-              <a:effectLst/>
-            </a:endParaRPr>
+            <a:r>
+              <a:rPr lang="en-US" dirty="0"/>
+              <a:t>One of the reasons that the shipwreck led to such loss of life was that there were not enough lifeboats for the passengers and crew.</a:t>
+            </a:r>
           </a:p>
           <a:p>
             <a:pPr marL="0" indent="0">
               <a:buNone/>
             </a:pPr>
-            <a:r>
-              <a:rPr lang="en-US" dirty="0"/>
-              <a:t>Problems of bias are often created by the type or source of data being collected. Bias is not eliminated by simply collecting more data. </a:t>
-            </a:r>
+            <a:endParaRPr lang="en-US" dirty="0"/>
           </a:p>
           <a:p>
             <a:pPr marL="0" indent="0">
               <a:buNone/>
             </a:pPr>
-            <a:endParaRPr lang="en-US" dirty="0">
+            <a:r>
+              <a:rPr lang="en-US" dirty="0"/>
+              <a:t>Although there was some element of luck involved in surviving the sinking, some groups of people were more likely to survive than others, such as women, children, and the upper-class.</a:t>
+            </a:r>
+          </a:p>
+          <a:p>
+            <a:pPr marL="0" indent="0">
+              <a:buNone/>
+            </a:pPr>
+            <a:endParaRPr lang="en-US" dirty="0"/>
+          </a:p>
+          <a:p>
+            <a:pPr marL="0" indent="0">
+              <a:buNone/>
+            </a:pPr>
+            <a:r>
+              <a:rPr lang="en-US" dirty="0"/>
+              <a:t>For example, we can call the </a:t>
+            </a:r>
+            <a:r>
+              <a:rPr lang="en-US" dirty="0" err="1"/>
+              <a:t>groupby</a:t>
+            </a:r>
+            <a:r>
+              <a:rPr lang="en-US" dirty="0"/>
+              <a:t>() method to group the passengers based on the column </a:t>
+            </a:r>
+            <a:r>
+              <a:rPr lang="en-US" dirty="0" err="1"/>
+              <a:t>Pclass</a:t>
+            </a:r>
+            <a:r>
+              <a:rPr lang="en-US" dirty="0"/>
+              <a:t>(1 = upper-class, 2 = middle-class, 3 = lower-class) and look at their survivor rate. </a:t>
+            </a:r>
+          </a:p>
+          <a:p>
+            <a:pPr marL="0" indent="0">
+              <a:buNone/>
+            </a:pPr>
+            <a:endParaRPr lang="en-US" sz="2000" dirty="0">
               <a:effectLst/>
+            </a:endParaRPr>
+          </a:p>
+        </p:txBody>
+      </p:sp>
+      <p:pic>
+        <p:nvPicPr>
+          <p:cNvPr id="2" name="Picture 1">
+            <a:extLst>
+              <a:ext uri="{FF2B5EF4-FFF2-40B4-BE49-F238E27FC236}">
+                <a16:creationId xmlns:a16="http://schemas.microsoft.com/office/drawing/2014/main" id="{D5D398D8-A768-E64D-96CA-0B9DB627C811}"/>
+              </a:ext>
+            </a:extLst>
+          </p:cNvPr>
+          <p:cNvPicPr>
+            <a:picLocks noChangeAspect="1"/>
+          </p:cNvPicPr>
+          <p:nvPr/>
+        </p:nvPicPr>
+        <p:blipFill>
+          <a:blip r:embed="rId3"/>
+          <a:stretch>
+            <a:fillRect/>
+          </a:stretch>
+        </p:blipFill>
+        <p:spPr>
+          <a:xfrm>
+            <a:off x="414991" y="3894248"/>
+            <a:ext cx="6676091" cy="1820752"/>
+          </a:xfrm>
+          <a:prstGeom prst="rect">
+            <a:avLst/>
+          </a:prstGeom>
+        </p:spPr>
+      </p:pic>
+    </p:spTree>
+    <p:extLst>
+      <p:ext uri="{BB962C8B-B14F-4D97-AF65-F5344CB8AC3E}">
+        <p14:creationId xmlns:p14="http://schemas.microsoft.com/office/powerpoint/2010/main" val="2588780036"/>
+      </p:ext>
+    </p:extLst>
+  </p:cSld>
+  <p:clrMapOvr>
+    <a:masterClrMapping/>
+  </p:clrMapOvr>
+  <p:transition/>
+</p:sld>
+</file>
+
+<file path=ppt/slides/slide15.xml><?xml version="1.0" encoding="utf-8"?>
+<p:sld xmlns:a="http://schemas.openxmlformats.org/drawingml/2006/main" xmlns:r="http://schemas.openxmlformats.org/officeDocument/2006/relationships" xmlns:p="http://schemas.openxmlformats.org/presentationml/2006/main">
+  <p:cSld>
+    <p:spTree>
+      <p:nvGrpSpPr>
+        <p:cNvPr id="1" name=""/>
+        <p:cNvGrpSpPr/>
+        <p:nvPr/>
+      </p:nvGrpSpPr>
+      <p:grpSpPr>
+        <a:xfrm>
+          <a:off x="0" y="0"/>
+          <a:ext cx="0" cy="0"/>
+          <a:chOff x="0" y="0"/>
+          <a:chExt cx="0" cy="0"/>
+        </a:xfrm>
+      </p:grpSpPr>
+      <p:sp>
+        <p:nvSpPr>
+          <p:cNvPr id="22529" name="Rectangle 2">
+            <a:extLst>
+              <a:ext uri="{FF2B5EF4-FFF2-40B4-BE49-F238E27FC236}">
+                <a16:creationId xmlns:a16="http://schemas.microsoft.com/office/drawing/2014/main" id="{62D2E821-4DA7-1A4C-90AB-7D29E754B92B}"/>
+              </a:ext>
+            </a:extLst>
+          </p:cNvPr>
+          <p:cNvSpPr>
+            <a:spLocks noGrp="1" noChangeArrowheads="1"/>
+          </p:cNvSpPr>
+          <p:nvPr>
+            <p:ph type="title"/>
+          </p:nvPr>
+        </p:nvSpPr>
+        <p:spPr>
+          <a:xfrm>
+            <a:off x="44825" y="0"/>
+            <a:ext cx="7766704" cy="632388"/>
+          </a:xfrm>
+        </p:spPr>
+        <p:txBody>
+          <a:bodyPr/>
+          <a:lstStyle/>
+          <a:p>
+            <a:pPr eaLnBrk="1" hangingPunct="1"/>
+            <a:r>
+              <a:rPr lang="en-US" altLang="en-US" dirty="0">
+                <a:latin typeface="Tahoma" panose="020B0604030504040204" pitchFamily="34" charset="0"/>
+                <a:ea typeface="ＭＳ Ｐゴシック" panose="020B0600070205080204" pitchFamily="34" charset="-128"/>
+              </a:rPr>
+              <a:t>Data</a:t>
+            </a:r>
+          </a:p>
+        </p:txBody>
+      </p:sp>
+      <p:sp>
+        <p:nvSpPr>
+          <p:cNvPr id="16386" name="Rectangle 3">
+            <a:extLst>
+              <a:ext uri="{FF2B5EF4-FFF2-40B4-BE49-F238E27FC236}">
+                <a16:creationId xmlns:a16="http://schemas.microsoft.com/office/drawing/2014/main" id="{FDE21009-F167-294A-90DA-D3129AD4DEB7}"/>
+              </a:ext>
+            </a:extLst>
+          </p:cNvPr>
+          <p:cNvSpPr>
+            <a:spLocks noGrp="1" noChangeArrowheads="1"/>
+          </p:cNvSpPr>
+          <p:nvPr>
+            <p:ph type="body" idx="1"/>
+          </p:nvPr>
+        </p:nvSpPr>
+        <p:spPr>
+          <a:xfrm>
+            <a:off x="119641" y="536507"/>
+            <a:ext cx="8904720" cy="5178493"/>
+          </a:xfrm>
+        </p:spPr>
+        <p:txBody>
+          <a:bodyPr>
+            <a:normAutofit/>
+          </a:bodyPr>
+          <a:lstStyle/>
+          <a:p>
+            <a:pPr marL="0" indent="0">
+              <a:buNone/>
+            </a:pPr>
+            <a:r>
+              <a:rPr lang="en-US" dirty="0"/>
+              <a:t>Digitally processed data may show correlation between variables. A correlation found in data does not necessarily indicate that a causal relationship exists. </a:t>
+            </a:r>
+          </a:p>
+          <a:p>
+            <a:pPr marL="0" indent="0">
+              <a:buNone/>
+            </a:pPr>
+            <a:endParaRPr lang="en-US" dirty="0"/>
+          </a:p>
+          <a:p>
+            <a:pPr marL="0" indent="0">
+              <a:buNone/>
+            </a:pPr>
+            <a:r>
+              <a:rPr lang="en-US" dirty="0"/>
+              <a:t>Additional research is needed to understand the exact nature of the relationship. </a:t>
+            </a:r>
+          </a:p>
+          <a:p>
+            <a:pPr marL="0" indent="0">
+              <a:buNone/>
+            </a:pPr>
+            <a:endParaRPr lang="en-US" dirty="0"/>
+          </a:p>
+          <a:p>
+            <a:pPr marL="0" indent="0">
+              <a:buNone/>
+            </a:pPr>
+            <a:r>
+              <a:rPr lang="en-US" dirty="0"/>
+              <a:t>Often, a single source does not contain the data needed to draw a conclusion. It may be necessary to combine data from a variety of sources to formulate a conclusion. </a:t>
+            </a:r>
+          </a:p>
+          <a:p>
+            <a:pPr marL="0" indent="0">
+              <a:buNone/>
+            </a:pPr>
+            <a:endParaRPr lang="en-US" dirty="0"/>
+          </a:p>
+          <a:p>
+            <a:pPr marL="0" indent="0">
+              <a:buNone/>
+            </a:pPr>
+            <a:r>
+              <a:rPr lang="en-US" dirty="0"/>
+              <a:t>Combining data sources, clustering data, and classifying data are parts of the process of using programs to gain insight and knowledge from data. </a:t>
+            </a:r>
+          </a:p>
+          <a:p>
+            <a:pPr marL="0" indent="0">
+              <a:buNone/>
+            </a:pPr>
+            <a:endParaRPr lang="en-US" dirty="0"/>
+          </a:p>
+          <a:p>
+            <a:pPr marL="38085" indent="0">
+              <a:buNone/>
+              <a:defRPr/>
+            </a:pPr>
+            <a:endParaRPr lang="en-US" b="1" dirty="0">
+              <a:solidFill>
+                <a:srgbClr val="008000"/>
+              </a:solidFill>
+              <a:latin typeface="Gill Sans MT" panose="020B0502020104020203" pitchFamily="34" charset="77"/>
             </a:endParaRPr>
           </a:p>
         </p:txBody>
@@ -11561,7 +13570,7 @@
     </p:spTree>
     <p:extLst>
       <p:ext uri="{BB962C8B-B14F-4D97-AF65-F5344CB8AC3E}">
-        <p14:creationId xmlns:p14="http://schemas.microsoft.com/office/powerpoint/2010/main" val="3360808311"/>
+        <p14:creationId xmlns:p14="http://schemas.microsoft.com/office/powerpoint/2010/main" val="2053114744"/>
       </p:ext>
     </p:extLst>
   </p:cSld>
